--- a/Equip_B/results/D1_presentacion_Cliente.pptx
+++ b/Equip_B/results/D1_presentacion_Cliente.pptx
@@ -5,10 +5,10 @@
     <p:sldMasterId id="2147483648" r:id="rId4"/>
   </p:sldMasterIdLst>
   <p:notesMasterIdLst>
-    <p:notesMasterId r:id="rId30"/>
+    <p:notesMasterId r:id="rId29"/>
   </p:notesMasterIdLst>
   <p:handoutMasterIdLst>
-    <p:handoutMasterId r:id="rId31"/>
+    <p:handoutMasterId r:id="rId30"/>
   </p:handoutMasterIdLst>
   <p:sldIdLst>
     <p:sldId id="324" r:id="rId5"/>
@@ -22,20 +22,19 @@
     <p:sldId id="345" r:id="rId13"/>
     <p:sldId id="346" r:id="rId14"/>
     <p:sldId id="327" r:id="rId15"/>
-    <p:sldId id="336" r:id="rId16"/>
-    <p:sldId id="347" r:id="rId17"/>
-    <p:sldId id="348" r:id="rId18"/>
-    <p:sldId id="350" r:id="rId19"/>
-    <p:sldId id="351" r:id="rId20"/>
-    <p:sldId id="352" r:id="rId21"/>
-    <p:sldId id="349" r:id="rId22"/>
-    <p:sldId id="328" r:id="rId23"/>
-    <p:sldId id="330" r:id="rId24"/>
-    <p:sldId id="329" r:id="rId25"/>
-    <p:sldId id="332" r:id="rId26"/>
-    <p:sldId id="333" r:id="rId27"/>
-    <p:sldId id="334" r:id="rId28"/>
-    <p:sldId id="335" r:id="rId29"/>
+    <p:sldId id="347" r:id="rId16"/>
+    <p:sldId id="348" r:id="rId17"/>
+    <p:sldId id="350" r:id="rId18"/>
+    <p:sldId id="351" r:id="rId19"/>
+    <p:sldId id="352" r:id="rId20"/>
+    <p:sldId id="349" r:id="rId21"/>
+    <p:sldId id="328" r:id="rId22"/>
+    <p:sldId id="330" r:id="rId23"/>
+    <p:sldId id="329" r:id="rId24"/>
+    <p:sldId id="332" r:id="rId25"/>
+    <p:sldId id="333" r:id="rId26"/>
+    <p:sldId id="334" r:id="rId27"/>
+    <p:sldId id="335" r:id="rId28"/>
   </p:sldIdLst>
   <p:sldSz cx="12192000" cy="6858000"/>
   <p:notesSz cx="6858000" cy="9144000"/>
@@ -267,7 +266,7 @@
             <a:pPr rtl="0"/>
             <a:fld id="{75725A15-8D86-497D-8EAD-2EB1176C54F6}" type="datetime1">
               <a:rPr lang="es-ES" smtClean="0"/>
-              <a:t>13/10/2024</a:t>
+              <a:t>14/10/2024</a:t>
             </a:fld>
             <a:endParaRPr lang="es-ES"/>
           </a:p>
@@ -347,7 +346,7 @@
             <a:pPr rtl="0"/>
             <a:fld id="{682C0B10-7CAE-41E4-AB02-7E8B1FF2B898}" type="slidenum">
               <a:rPr lang="es-ES" smtClean="0"/>
-              <a:t>‹Nº›</a:t>
+              <a:t>‹#›</a:t>
             </a:fld>
             <a:endParaRPr lang="es-ES"/>
           </a:p>
@@ -449,7 +448,7 @@
             <a:fld id="{B958D509-07EE-4A09-900B-403023880868}" type="datetime1">
               <a:rPr lang="es-ES" smtClean="0"/>
               <a:pPr/>
-              <a:t>13/10/2024</a:t>
+              <a:t>14/10/2024</a:t>
             </a:fld>
             <a:endParaRPr lang="es-ES" dirty="0"/>
           </a:p>
@@ -610,7 +609,7 @@
             <a:pPr rtl="0"/>
             <a:fld id="{8530193B-564F-4854-8A52-728F3FB19C85}" type="slidenum">
               <a:rPr lang="es-ES" noProof="0" smtClean="0"/>
-              <a:t>‹Nº›</a:t>
+              <a:t>‹#›</a:t>
             </a:fld>
             <a:endParaRPr lang="es-ES" noProof="0"/>
           </a:p>
@@ -814,115 +813,6 @@
         <p:cNvPr id="1" name="">
           <a:extLst>
             <a:ext uri="{FF2B5EF4-FFF2-40B4-BE49-F238E27FC236}">
-              <a16:creationId xmlns:a16="http://schemas.microsoft.com/office/drawing/2014/main" id="{D51A77E7-31FE-EA2F-4109-EA716B8ED6DB}"/>
-            </a:ext>
-          </a:extLst>
-        </p:cNvPr>
-        <p:cNvGrpSpPr/>
-        <p:nvPr/>
-      </p:nvGrpSpPr>
-      <p:grpSpPr>
-        <a:xfrm>
-          <a:off x="0" y="0"/>
-          <a:ext cx="0" cy="0"/>
-          <a:chOff x="0" y="0"/>
-          <a:chExt cx="0" cy="0"/>
-        </a:xfrm>
-      </p:grpSpPr>
-      <p:sp>
-        <p:nvSpPr>
-          <p:cNvPr id="2" name="Marcador de imagen de diapositiva 1">
-            <a:extLst>
-              <a:ext uri="{FF2B5EF4-FFF2-40B4-BE49-F238E27FC236}">
-                <a16:creationId xmlns:a16="http://schemas.microsoft.com/office/drawing/2014/main" id="{09E59865-6204-3A71-A408-1E75C0149085}"/>
-              </a:ext>
-            </a:extLst>
-          </p:cNvPr>
-          <p:cNvSpPr>
-            <a:spLocks noGrp="1" noRot="1" noChangeAspect="1"/>
-          </p:cNvSpPr>
-          <p:nvPr>
-            <p:ph type="sldImg"/>
-          </p:nvPr>
-        </p:nvSpPr>
-        <p:spPr/>
-      </p:sp>
-      <p:sp>
-        <p:nvSpPr>
-          <p:cNvPr id="3" name="Marcador de notas 2">
-            <a:extLst>
-              <a:ext uri="{FF2B5EF4-FFF2-40B4-BE49-F238E27FC236}">
-                <a16:creationId xmlns:a16="http://schemas.microsoft.com/office/drawing/2014/main" id="{FB52D674-F12A-666F-6B7A-64622BA47BE8}"/>
-              </a:ext>
-            </a:extLst>
-          </p:cNvPr>
-          <p:cNvSpPr>
-            <a:spLocks noGrp="1"/>
-          </p:cNvSpPr>
-          <p:nvPr>
-            <p:ph type="body" idx="1"/>
-          </p:nvPr>
-        </p:nvSpPr>
-        <p:spPr/>
-        <p:txBody>
-          <a:bodyPr/>
-          <a:lstStyle/>
-          <a:p>
-            <a:endParaRPr lang="es-ES" dirty="0"/>
-          </a:p>
-        </p:txBody>
-      </p:sp>
-      <p:sp>
-        <p:nvSpPr>
-          <p:cNvPr id="4" name="Marcador de número de diapositiva 3">
-            <a:extLst>
-              <a:ext uri="{FF2B5EF4-FFF2-40B4-BE49-F238E27FC236}">
-                <a16:creationId xmlns:a16="http://schemas.microsoft.com/office/drawing/2014/main" id="{8FF55F1A-7700-AA28-A0F0-EC2D698C260F}"/>
-              </a:ext>
-            </a:extLst>
-          </p:cNvPr>
-          <p:cNvSpPr>
-            <a:spLocks noGrp="1"/>
-          </p:cNvSpPr>
-          <p:nvPr>
-            <p:ph type="sldNum" sz="quarter" idx="5"/>
-          </p:nvPr>
-        </p:nvSpPr>
-        <p:spPr/>
-        <p:txBody>
-          <a:bodyPr/>
-          <a:lstStyle/>
-          <a:p>
-            <a:pPr rtl="0"/>
-            <a:fld id="{8530193B-564F-4854-8A52-728F3FB19C85}" type="slidenum">
-              <a:rPr lang="es-ES" noProof="0" smtClean="0"/>
-              <a:t>15</a:t>
-            </a:fld>
-            <a:endParaRPr lang="es-ES" noProof="0"/>
-          </a:p>
-        </p:txBody>
-      </p:sp>
-    </p:spTree>
-    <p:extLst>
-      <p:ext uri="{BB962C8B-B14F-4D97-AF65-F5344CB8AC3E}">
-        <p14:creationId xmlns:p14="http://schemas.microsoft.com/office/powerpoint/2010/main" val="197878365"/>
-      </p:ext>
-    </p:extLst>
-  </p:cSld>
-  <p:clrMapOvr>
-    <a:masterClrMapping/>
-  </p:clrMapOvr>
-</p:notes>
-</file>
-
-<file path=ppt/notesSlides/notesSlide11.xml><?xml version="1.0" encoding="utf-8"?>
-<p:notes xmlns:a="http://schemas.openxmlformats.org/drawingml/2006/main" xmlns:r="http://schemas.openxmlformats.org/officeDocument/2006/relationships" xmlns:p="http://schemas.openxmlformats.org/presentationml/2006/main">
-  <p:cSld>
-    <p:spTree>
-      <p:nvGrpSpPr>
-        <p:cNvPr id="1" name="">
-          <a:extLst>
-            <a:ext uri="{FF2B5EF4-FFF2-40B4-BE49-F238E27FC236}">
               <a16:creationId xmlns:a16="http://schemas.microsoft.com/office/drawing/2014/main" id="{2E266632-CC90-2D53-C3FA-18A58265F832}"/>
             </a:ext>
           </a:extLst>
@@ -1005,7 +895,7 @@
             <a:pPr rtl="0"/>
             <a:fld id="{8530193B-564F-4854-8A52-728F3FB19C85}" type="slidenum">
               <a:rPr lang="es-ES" noProof="0" smtClean="0"/>
-              <a:t>16</a:t>
+              <a:t>15</a:t>
             </a:fld>
             <a:endParaRPr lang="es-ES" noProof="0"/>
           </a:p>
@@ -1024,7 +914,7 @@
 </p:notes>
 </file>
 
-<file path=ppt/notesSlides/notesSlide12.xml><?xml version="1.0" encoding="utf-8"?>
+<file path=ppt/notesSlides/notesSlide11.xml><?xml version="1.0" encoding="utf-8"?>
 <p:notes xmlns:a="http://schemas.openxmlformats.org/drawingml/2006/main" xmlns:r="http://schemas.openxmlformats.org/officeDocument/2006/relationships" xmlns:p="http://schemas.openxmlformats.org/presentationml/2006/main">
   <p:cSld>
     <p:spTree>
@@ -1114,7 +1004,7 @@
             <a:pPr rtl="0"/>
             <a:fld id="{8530193B-564F-4854-8A52-728F3FB19C85}" type="slidenum">
               <a:rPr lang="es-ES" noProof="0" smtClean="0"/>
-              <a:t>17</a:t>
+              <a:t>16</a:t>
             </a:fld>
             <a:endParaRPr lang="es-ES" noProof="0"/>
           </a:p>
@@ -1133,7 +1023,7 @@
 </p:notes>
 </file>
 
-<file path=ppt/notesSlides/notesSlide13.xml><?xml version="1.0" encoding="utf-8"?>
+<file path=ppt/notesSlides/notesSlide12.xml><?xml version="1.0" encoding="utf-8"?>
 <p:notes xmlns:a="http://schemas.openxmlformats.org/drawingml/2006/main" xmlns:r="http://schemas.openxmlformats.org/officeDocument/2006/relationships" xmlns:p="http://schemas.openxmlformats.org/presentationml/2006/main">
   <p:cSld>
     <p:spTree>
@@ -1223,7 +1113,7 @@
             <a:pPr rtl="0"/>
             <a:fld id="{8530193B-564F-4854-8A52-728F3FB19C85}" type="slidenum">
               <a:rPr lang="es-ES" noProof="0" smtClean="0"/>
-              <a:t>18</a:t>
+              <a:t>17</a:t>
             </a:fld>
             <a:endParaRPr lang="es-ES" noProof="0"/>
           </a:p>
@@ -1242,7 +1132,7 @@
 </p:notes>
 </file>
 
-<file path=ppt/notesSlides/notesSlide14.xml><?xml version="1.0" encoding="utf-8"?>
+<file path=ppt/notesSlides/notesSlide13.xml><?xml version="1.0" encoding="utf-8"?>
 <p:notes xmlns:a="http://schemas.openxmlformats.org/drawingml/2006/main" xmlns:r="http://schemas.openxmlformats.org/officeDocument/2006/relationships" xmlns:p="http://schemas.openxmlformats.org/presentationml/2006/main">
   <p:cSld>
     <p:spTree>
@@ -1333,7 +1223,7 @@
             <a:pPr rtl="0"/>
             <a:fld id="{8530193B-564F-4854-8A52-728F3FB19C85}" type="slidenum">
               <a:rPr lang="es-ES" smtClean="0"/>
-              <a:t>19</a:t>
+              <a:t>18</a:t>
             </a:fld>
             <a:endParaRPr lang="es-ES"/>
           </a:p>
@@ -1352,7 +1242,7 @@
 </p:notes>
 </file>
 
-<file path=ppt/notesSlides/notesSlide15.xml><?xml version="1.0" encoding="utf-8"?>
+<file path=ppt/notesSlides/notesSlide14.xml><?xml version="1.0" encoding="utf-8"?>
 <p:notes xmlns:a="http://schemas.openxmlformats.org/drawingml/2006/main" xmlns:r="http://schemas.openxmlformats.org/officeDocument/2006/relationships" xmlns:p="http://schemas.openxmlformats.org/presentationml/2006/main">
   <p:cSld>
     <p:spTree>
@@ -1418,7 +1308,7 @@
             <a:pPr rtl="0"/>
             <a:fld id="{8530193B-564F-4854-8A52-728F3FB19C85}" type="slidenum">
               <a:rPr lang="es-ES" noProof="0" smtClean="0"/>
-              <a:t>21</a:t>
+              <a:t>20</a:t>
             </a:fld>
             <a:endParaRPr lang="es-ES" noProof="0"/>
           </a:p>
@@ -1437,7 +1327,7 @@
 </p:notes>
 </file>
 
-<file path=ppt/notesSlides/notesSlide16.xml><?xml version="1.0" encoding="utf-8"?>
+<file path=ppt/notesSlides/notesSlide15.xml><?xml version="1.0" encoding="utf-8"?>
 <p:notes xmlns:a="http://schemas.openxmlformats.org/drawingml/2006/main" xmlns:r="http://schemas.openxmlformats.org/officeDocument/2006/relationships" xmlns:p="http://schemas.openxmlformats.org/presentationml/2006/main">
   <p:cSld>
     <p:spTree>
@@ -1527,7 +1417,7 @@
             <a:pPr rtl="0"/>
             <a:fld id="{8530193B-564F-4854-8A52-728F3FB19C85}" type="slidenum">
               <a:rPr lang="es-ES" noProof="0" smtClean="0"/>
-              <a:t>22</a:t>
+              <a:t>21</a:t>
             </a:fld>
             <a:endParaRPr lang="es-ES" noProof="0"/>
           </a:p>
@@ -1546,7 +1436,7 @@
 </p:notes>
 </file>
 
-<file path=ppt/notesSlides/notesSlide17.xml><?xml version="1.0" encoding="utf-8"?>
+<file path=ppt/notesSlides/notesSlide16.xml><?xml version="1.0" encoding="utf-8"?>
 <p:notes xmlns:a="http://schemas.openxmlformats.org/drawingml/2006/main" xmlns:r="http://schemas.openxmlformats.org/officeDocument/2006/relationships" xmlns:p="http://schemas.openxmlformats.org/presentationml/2006/main">
   <p:cSld>
     <p:spTree>
@@ -1636,7 +1526,7 @@
             <a:pPr rtl="0"/>
             <a:fld id="{8530193B-564F-4854-8A52-728F3FB19C85}" type="slidenum">
               <a:rPr lang="es-ES" noProof="0" smtClean="0"/>
-              <a:t>23</a:t>
+              <a:t>22</a:t>
             </a:fld>
             <a:endParaRPr lang="es-ES" noProof="0"/>
           </a:p>
@@ -1655,7 +1545,7 @@
 </p:notes>
 </file>
 
-<file path=ppt/notesSlides/notesSlide18.xml><?xml version="1.0" encoding="utf-8"?>
+<file path=ppt/notesSlides/notesSlide17.xml><?xml version="1.0" encoding="utf-8"?>
 <p:notes xmlns:a="http://schemas.openxmlformats.org/drawingml/2006/main" xmlns:r="http://schemas.openxmlformats.org/officeDocument/2006/relationships" xmlns:p="http://schemas.openxmlformats.org/presentationml/2006/main">
   <p:cSld>
     <p:spTree>
@@ -1721,7 +1611,7 @@
             <a:pPr rtl="0"/>
             <a:fld id="{8530193B-564F-4854-8A52-728F3FB19C85}" type="slidenum">
               <a:rPr lang="es-ES" noProof="0" smtClean="0"/>
-              <a:t>24</a:t>
+              <a:t>23</a:t>
             </a:fld>
             <a:endParaRPr lang="es-ES" noProof="0"/>
           </a:p>
@@ -1740,7 +1630,7 @@
 </p:notes>
 </file>
 
-<file path=ppt/notesSlides/notesSlide19.xml><?xml version="1.0" encoding="utf-8"?>
+<file path=ppt/notesSlides/notesSlide18.xml><?xml version="1.0" encoding="utf-8"?>
 <p:notes xmlns:a="http://schemas.openxmlformats.org/drawingml/2006/main" xmlns:r="http://schemas.openxmlformats.org/officeDocument/2006/relationships" xmlns:p="http://schemas.openxmlformats.org/presentationml/2006/main">
   <p:cSld>
     <p:spTree>
@@ -1831,7 +1721,7 @@
             <a:pPr rtl="0"/>
             <a:fld id="{8530193B-564F-4854-8A52-728F3FB19C85}" type="slidenum">
               <a:rPr lang="es-ES" smtClean="0"/>
-              <a:t>25</a:t>
+              <a:t>24</a:t>
             </a:fld>
             <a:endParaRPr lang="es-ES"/>
           </a:p>
@@ -2442,7 +2332,7 @@
         <p:cNvPr id="1" name="">
           <a:extLst>
             <a:ext uri="{FF2B5EF4-FFF2-40B4-BE49-F238E27FC236}">
-              <a16:creationId xmlns:a16="http://schemas.microsoft.com/office/drawing/2014/main" id="{18C59EFC-4C0A-CB4B-CBE9-53A8F81A8CDD}"/>
+              <a16:creationId xmlns:a16="http://schemas.microsoft.com/office/drawing/2014/main" id="{B4C1DDF6-751A-5C06-C7A9-D4708BEEF6AE}"/>
             </a:ext>
           </a:extLst>
         </p:cNvPr>
@@ -2462,7 +2352,7 @@
           <p:cNvPr id="2" name="Marcador de imagen de diapositiva 1">
             <a:extLst>
               <a:ext uri="{FF2B5EF4-FFF2-40B4-BE49-F238E27FC236}">
-                <a16:creationId xmlns:a16="http://schemas.microsoft.com/office/drawing/2014/main" id="{365EFB4B-085B-CC8E-0F55-974037BB6E46}"/>
+                <a16:creationId xmlns:a16="http://schemas.microsoft.com/office/drawing/2014/main" id="{1C20E245-E4CD-6C32-40F0-A7E0EDC1CA3F}"/>
               </a:ext>
             </a:extLst>
           </p:cNvPr>
@@ -2480,7 +2370,7 @@
           <p:cNvPr id="3" name="Marcador de notas 2">
             <a:extLst>
               <a:ext uri="{FF2B5EF4-FFF2-40B4-BE49-F238E27FC236}">
-                <a16:creationId xmlns:a16="http://schemas.microsoft.com/office/drawing/2014/main" id="{F4A28AA8-792C-574F-4C9D-629112D304FB}"/>
+                <a16:creationId xmlns:a16="http://schemas.microsoft.com/office/drawing/2014/main" id="{C2390FDE-4AB3-BA9D-D215-456861ADD432}"/>
               </a:ext>
             </a:extLst>
           </p:cNvPr>
@@ -2505,7 +2395,7 @@
           <p:cNvPr id="4" name="Marcador de número de diapositiva 3">
             <a:extLst>
               <a:ext uri="{FF2B5EF4-FFF2-40B4-BE49-F238E27FC236}">
-                <a16:creationId xmlns:a16="http://schemas.microsoft.com/office/drawing/2014/main" id="{F093880A-CBA3-D95A-4614-1F25995BFC18}"/>
+                <a16:creationId xmlns:a16="http://schemas.microsoft.com/office/drawing/2014/main" id="{91BC6CE0-ADD2-5911-31A6-3315420E7CB0}"/>
               </a:ext>
             </a:extLst>
           </p:cNvPr>
@@ -2524,7 +2414,7 @@
             <a:pPr rtl="0"/>
             <a:fld id="{8530193B-564F-4854-8A52-728F3FB19C85}" type="slidenum">
               <a:rPr lang="es-ES" noProof="0" smtClean="0"/>
-              <a:t>12</a:t>
+              <a:t>13</a:t>
             </a:fld>
             <a:endParaRPr lang="es-ES" noProof="0"/>
           </a:p>
@@ -2533,7 +2423,7 @@
     </p:spTree>
     <p:extLst>
       <p:ext uri="{BB962C8B-B14F-4D97-AF65-F5344CB8AC3E}">
-        <p14:creationId xmlns:p14="http://schemas.microsoft.com/office/powerpoint/2010/main" val="440108007"/>
+        <p14:creationId xmlns:p14="http://schemas.microsoft.com/office/powerpoint/2010/main" val="4094670068"/>
       </p:ext>
     </p:extLst>
   </p:cSld>
@@ -2551,7 +2441,7 @@
         <p:cNvPr id="1" name="">
           <a:extLst>
             <a:ext uri="{FF2B5EF4-FFF2-40B4-BE49-F238E27FC236}">
-              <a16:creationId xmlns:a16="http://schemas.microsoft.com/office/drawing/2014/main" id="{B4C1DDF6-751A-5C06-C7A9-D4708BEEF6AE}"/>
+              <a16:creationId xmlns:a16="http://schemas.microsoft.com/office/drawing/2014/main" id="{D51A77E7-31FE-EA2F-4109-EA716B8ED6DB}"/>
             </a:ext>
           </a:extLst>
         </p:cNvPr>
@@ -2571,7 +2461,7 @@
           <p:cNvPr id="2" name="Marcador de imagen de diapositiva 1">
             <a:extLst>
               <a:ext uri="{FF2B5EF4-FFF2-40B4-BE49-F238E27FC236}">
-                <a16:creationId xmlns:a16="http://schemas.microsoft.com/office/drawing/2014/main" id="{1C20E245-E4CD-6C32-40F0-A7E0EDC1CA3F}"/>
+                <a16:creationId xmlns:a16="http://schemas.microsoft.com/office/drawing/2014/main" id="{09E59865-6204-3A71-A408-1E75C0149085}"/>
               </a:ext>
             </a:extLst>
           </p:cNvPr>
@@ -2589,7 +2479,7 @@
           <p:cNvPr id="3" name="Marcador de notas 2">
             <a:extLst>
               <a:ext uri="{FF2B5EF4-FFF2-40B4-BE49-F238E27FC236}">
-                <a16:creationId xmlns:a16="http://schemas.microsoft.com/office/drawing/2014/main" id="{C2390FDE-4AB3-BA9D-D215-456861ADD432}"/>
+                <a16:creationId xmlns:a16="http://schemas.microsoft.com/office/drawing/2014/main" id="{FB52D674-F12A-666F-6B7A-64622BA47BE8}"/>
               </a:ext>
             </a:extLst>
           </p:cNvPr>
@@ -2614,7 +2504,7 @@
           <p:cNvPr id="4" name="Marcador de número de diapositiva 3">
             <a:extLst>
               <a:ext uri="{FF2B5EF4-FFF2-40B4-BE49-F238E27FC236}">
-                <a16:creationId xmlns:a16="http://schemas.microsoft.com/office/drawing/2014/main" id="{91BC6CE0-ADD2-5911-31A6-3315420E7CB0}"/>
+                <a16:creationId xmlns:a16="http://schemas.microsoft.com/office/drawing/2014/main" id="{8FF55F1A-7700-AA28-A0F0-EC2D698C260F}"/>
               </a:ext>
             </a:extLst>
           </p:cNvPr>
@@ -2642,7 +2532,7 @@
     </p:spTree>
     <p:extLst>
       <p:ext uri="{BB962C8B-B14F-4D97-AF65-F5344CB8AC3E}">
-        <p14:creationId xmlns:p14="http://schemas.microsoft.com/office/powerpoint/2010/main" val="4094670068"/>
+        <p14:creationId xmlns:p14="http://schemas.microsoft.com/office/powerpoint/2010/main" val="197878365"/>
       </p:ext>
     </p:extLst>
   </p:cSld>
@@ -9443,7 +9333,7 @@
                   <a:schemeClr val="accent2"/>
                 </a:solidFill>
               </a:rPr>
-              <a:t>13/10/2024</a:t>
+              <a:t>14/10/2024</a:t>
             </a:fld>
             <a:endParaRPr lang="es-ES" sz="1100" noProof="0" dirty="0">
               <a:solidFill>
@@ -9715,7 +9605,7 @@
                 </a:solidFill>
               </a:rPr>
               <a:pPr algn="r" rtl="0"/>
-              <a:t>‹Nº›</a:t>
+              <a:t>‹#›</a:t>
             </a:fld>
             <a:endParaRPr lang="es-ES" sz="1100" noProof="0">
               <a:solidFill>
@@ -10605,7 +10495,7 @@
                 </a:solidFill>
                 <a:latin typeface="+mj-lt"/>
               </a:rPr>
-              <a:t>Análisis de contrato de préstamos personales</a:t>
+              <a:t>ANÁLISIS DE CONTRATO DE PRÉSTAMOS PERSONALES</a:t>
             </a:r>
             <a:endParaRPr lang="es-ES" sz="2400" b="1" dirty="0">
               <a:solidFill>
@@ -10988,8 +10878,8 @@
         </p:nvSpPr>
         <p:spPr>
           <a:xfrm>
-            <a:off x="7908398" y="149898"/>
-            <a:ext cx="3777643" cy="1123712"/>
+            <a:off x="8350848" y="167687"/>
+            <a:ext cx="3385321" cy="715089"/>
           </a:xfrm>
           <a:prstGeom prst="roundRect">
             <a:avLst/>
@@ -11014,12 +10904,9 @@
           <a:p>
             <a:pPr algn="just"/>
             <a:r>
-              <a:rPr lang="es-ES" sz="1200" kern="100" dirty="0">
-                <a:cs typeface="Times New Roman" panose="02020603050405020304" pitchFamily="18" charset="0"/>
-              </a:rPr>
-              <a:t>Hemos observado que las tasas de préstamos personales eran bajas en todos los casos. Al analizar la distribución de esta variable observamos que tiene sentido puesto que el número de clientes que contratan és muy inferior al que no contrata.</a:t>
-            </a:r>
-            <a:endParaRPr lang="es-ES" sz="1200" dirty="0"/>
+              <a:rPr lang="es-ES" sz="1200" dirty="0"/>
+              <a:t>"Las tasas de préstamos personales son bajas debido a que pocos clientes los contratan en comparación con los que no lo hacen.</a:t>
+            </a:r>
           </a:p>
         </p:txBody>
       </p:sp>
@@ -11383,7 +11270,7 @@
         <p:cNvPr id="1" name="">
           <a:extLst>
             <a:ext uri="{FF2B5EF4-FFF2-40B4-BE49-F238E27FC236}">
-              <a16:creationId xmlns:a16="http://schemas.microsoft.com/office/drawing/2014/main" id="{381B76B5-80CA-C259-4A55-43B3B518B58A}"/>
+              <a16:creationId xmlns:a16="http://schemas.microsoft.com/office/drawing/2014/main" id="{2122DA3C-6319-0E9E-C653-C4A5E5E6A806}"/>
             </a:ext>
           </a:extLst>
         </p:cNvPr>
@@ -11400,10 +11287,10 @@
       </p:grpSpPr>
       <p:sp>
         <p:nvSpPr>
-          <p:cNvPr id="40" name="Rectángulo: esquinas redondeadas 39">
-            <a:extLst>
-              <a:ext uri="{FF2B5EF4-FFF2-40B4-BE49-F238E27FC236}">
-                <a16:creationId xmlns:a16="http://schemas.microsoft.com/office/drawing/2014/main" id="{8A2F1089-FAB7-50F0-5B4D-933DB11D91D8}"/>
+          <p:cNvPr id="5" name="Rectángulo 4">
+            <a:extLst>
+              <a:ext uri="{FF2B5EF4-FFF2-40B4-BE49-F238E27FC236}">
+                <a16:creationId xmlns:a16="http://schemas.microsoft.com/office/drawing/2014/main" id="{882A1661-D4E8-303B-BA24-F14D615D13C4}"/>
               </a:ext>
             </a:extLst>
           </p:cNvPr>
@@ -11412,16 +11299,16 @@
         </p:nvSpPr>
         <p:spPr>
           <a:xfrm>
-            <a:off x="505959" y="1104371"/>
-            <a:ext cx="5590042" cy="1902729"/>
-          </a:xfrm>
-          <a:prstGeom prst="roundRect">
-            <a:avLst>
-              <a:gd name="adj" fmla="val 7845"/>
-            </a:avLst>
+            <a:off x="0" y="6400800"/>
+            <a:ext cx="2557670" cy="457200"/>
+          </a:xfrm>
+          <a:prstGeom prst="rect">
+            <a:avLst/>
           </a:prstGeom>
           <a:solidFill>
-            <a:schemeClr val="bg1"/>
+            <a:schemeClr val="bg1">
+              <a:lumMod val="95000"/>
+            </a:schemeClr>
           </a:solidFill>
           <a:ln>
             <a:noFill/>
@@ -11454,102 +11341,10 @@
       </p:sp>
       <p:sp>
         <p:nvSpPr>
-          <p:cNvPr id="8" name="QuadreDeText 3">
-            <a:extLst>
-              <a:ext uri="{FF2B5EF4-FFF2-40B4-BE49-F238E27FC236}">
-                <a16:creationId xmlns:a16="http://schemas.microsoft.com/office/drawing/2014/main" id="{3A1A5CA4-A361-F75B-4057-74FEB7954895}"/>
-              </a:ext>
-            </a:extLst>
-          </p:cNvPr>
-          <p:cNvSpPr txBox="1"/>
-          <p:nvPr/>
-        </p:nvSpPr>
-        <p:spPr>
-          <a:xfrm>
-            <a:off x="505958" y="250347"/>
-            <a:ext cx="11230211" cy="461665"/>
-          </a:xfrm>
-          <a:prstGeom prst="rect">
-            <a:avLst/>
-          </a:prstGeom>
-          <a:solidFill>
-            <a:srgbClr val="FF0000"/>
-          </a:solidFill>
-        </p:spPr>
-        <p:txBody>
-          <a:bodyPr wrap="square">
-            <a:spAutoFit/>
-          </a:bodyPr>
-          <a:lstStyle/>
-          <a:p>
-            <a:r>
-              <a:rPr lang="es-ES" sz="2400" b="1" dirty="0">
-                <a:solidFill>
-                  <a:schemeClr val="accent3">
-                    <a:lumMod val="50000"/>
-                  </a:schemeClr>
-                </a:solidFill>
-                <a:effectLst/>
-                <a:latin typeface="+mj-lt"/>
-              </a:rPr>
-              <a:t>SIMPLIFICACIÓN DEL PROBLEMA Y ASUNCIONES</a:t>
-            </a:r>
-          </a:p>
-        </p:txBody>
-      </p:sp>
-      <p:sp>
-        <p:nvSpPr>
-          <p:cNvPr id="18" name="QuadreDeText 22">
-            <a:extLst>
-              <a:ext uri="{FF2B5EF4-FFF2-40B4-BE49-F238E27FC236}">
-                <a16:creationId xmlns:a16="http://schemas.microsoft.com/office/drawing/2014/main" id="{4C41AD8D-14CA-BC43-CCED-5A5ACDEE7D76}"/>
-              </a:ext>
-            </a:extLst>
-          </p:cNvPr>
-          <p:cNvSpPr txBox="1"/>
-          <p:nvPr/>
-        </p:nvSpPr>
-        <p:spPr>
-          <a:xfrm>
-            <a:off x="635384" y="1171518"/>
-            <a:ext cx="5302837" cy="646331"/>
-          </a:xfrm>
-          <a:prstGeom prst="rect">
-            <a:avLst/>
-          </a:prstGeom>
-          <a:noFill/>
-        </p:spPr>
-        <p:txBody>
-          <a:bodyPr wrap="square" rtlCol="0">
-            <a:spAutoFit/>
-          </a:bodyPr>
-          <a:lstStyle/>
-          <a:p>
-            <a:r>
-              <a:rPr lang="es-ES" sz="1200" b="1" dirty="0"/>
-              <a:t>1</a:t>
-            </a:r>
-            <a:r>
-              <a:rPr lang="es-ES" sz="1200" dirty="0"/>
-              <a:t>. </a:t>
-            </a:r>
-            <a:r>
-              <a:rPr lang="es-ES" sz="1200" kern="100" dirty="0">
-                <a:effectLst/>
-                <a:ea typeface="Calibri" panose="020F0502020204030204" pitchFamily="34" charset="0"/>
-                <a:cs typeface="Times New Roman" panose="02020603050405020304" pitchFamily="18" charset="0"/>
-              </a:rPr>
-              <a:t>Solo utilizaremos para el modelo, las variables explicadas en el Anexo A.1. El modelo se podría hacer más complejo, pero haremos este simplificación para este Sprint 1, comentado con la directora del departamento.</a:t>
-            </a:r>
-          </a:p>
-        </p:txBody>
-      </p:sp>
-      <p:sp>
-        <p:nvSpPr>
-          <p:cNvPr id="2" name="Rectángulo 1">
-            <a:extLst>
-              <a:ext uri="{FF2B5EF4-FFF2-40B4-BE49-F238E27FC236}">
-                <a16:creationId xmlns:a16="http://schemas.microsoft.com/office/drawing/2014/main" id="{EA416C7B-15FF-5C55-7EE6-6D55541368C3}"/>
+          <p:cNvPr id="4" name="Rectángulo: esquinas redondeadas 3">
+            <a:extLst>
+              <a:ext uri="{FF2B5EF4-FFF2-40B4-BE49-F238E27FC236}">
+                <a16:creationId xmlns:a16="http://schemas.microsoft.com/office/drawing/2014/main" id="{85FC98A5-90AF-9E1A-A1FC-8F2B3AC1DD13}"/>
               </a:ext>
             </a:extLst>
           </p:cNvPr>
@@ -11558,16 +11353,16 @@
         </p:nvSpPr>
         <p:spPr>
           <a:xfrm>
-            <a:off x="0" y="6400800"/>
-            <a:ext cx="2557670" cy="457200"/>
-          </a:xfrm>
-          <a:prstGeom prst="rect">
-            <a:avLst/>
+            <a:off x="505959" y="1104371"/>
+            <a:ext cx="11230210" cy="2610000"/>
+          </a:xfrm>
+          <a:prstGeom prst="roundRect">
+            <a:avLst>
+              <a:gd name="adj" fmla="val 7845"/>
+            </a:avLst>
           </a:prstGeom>
           <a:solidFill>
-            <a:schemeClr val="bg1">
-              <a:lumMod val="95000"/>
-            </a:schemeClr>
+            <a:schemeClr val="bg1"/>
           </a:solidFill>
           <a:ln>
             <a:noFill/>
@@ -11600,10 +11395,62 @@
       </p:sp>
       <p:sp>
         <p:nvSpPr>
-          <p:cNvPr id="7" name="Rectángulo: esquinas redondeadas 6">
-            <a:extLst>
-              <a:ext uri="{FF2B5EF4-FFF2-40B4-BE49-F238E27FC236}">
-                <a16:creationId xmlns:a16="http://schemas.microsoft.com/office/drawing/2014/main" id="{162B3681-B390-6C51-B901-29BEE9340D80}"/>
+          <p:cNvPr id="9" name="QuadreDeText 3">
+            <a:extLst>
+              <a:ext uri="{FF2B5EF4-FFF2-40B4-BE49-F238E27FC236}">
+                <a16:creationId xmlns:a16="http://schemas.microsoft.com/office/drawing/2014/main" id="{E3C7FFE1-A797-62BF-BC16-BAA12271AC8E}"/>
+              </a:ext>
+            </a:extLst>
+          </p:cNvPr>
+          <p:cNvSpPr txBox="1"/>
+          <p:nvPr/>
+        </p:nvSpPr>
+        <p:spPr>
+          <a:xfrm>
+            <a:off x="505958" y="250347"/>
+            <a:ext cx="11230211" cy="461665"/>
+          </a:xfrm>
+          <a:prstGeom prst="rect">
+            <a:avLst/>
+          </a:prstGeom>
+          <a:noFill/>
+        </p:spPr>
+        <p:txBody>
+          <a:bodyPr wrap="square">
+            <a:spAutoFit/>
+          </a:bodyPr>
+          <a:lstStyle/>
+          <a:p>
+            <a:r>
+              <a:rPr lang="es-ES" sz="2400" b="1" dirty="0">
+                <a:solidFill>
+                  <a:schemeClr val="accent3">
+                    <a:lumMod val="50000"/>
+                  </a:schemeClr>
+                </a:solidFill>
+                <a:effectLst/>
+                <a:latin typeface="+mj-lt"/>
+              </a:rPr>
+              <a:t>ANÁLISIS EXPLORATORIO</a:t>
+            </a:r>
+            <a:endParaRPr lang="es-ES" sz="2400" b="1" i="1" dirty="0">
+              <a:solidFill>
+                <a:schemeClr val="accent3">
+                  <a:lumMod val="50000"/>
+                </a:schemeClr>
+              </a:solidFill>
+              <a:effectLst/>
+              <a:latin typeface="+mj-lt"/>
+            </a:endParaRPr>
+          </a:p>
+        </p:txBody>
+      </p:sp>
+      <p:sp>
+        <p:nvSpPr>
+          <p:cNvPr id="17" name="Rectángulo: esquinas redondeadas 16">
+            <a:extLst>
+              <a:ext uri="{FF2B5EF4-FFF2-40B4-BE49-F238E27FC236}">
+                <a16:creationId xmlns:a16="http://schemas.microsoft.com/office/drawing/2014/main" id="{06D06D02-A2C6-D1BD-1C83-D99F0D5BC59E}"/>
               </a:ext>
             </a:extLst>
           </p:cNvPr>
@@ -11612,8 +11459,8 @@
         </p:nvSpPr>
         <p:spPr>
           <a:xfrm>
-            <a:off x="505959" y="4105712"/>
-            <a:ext cx="5590042" cy="2323363"/>
+            <a:off x="505958" y="3820437"/>
+            <a:ext cx="11230211" cy="2608639"/>
           </a:xfrm>
           <a:prstGeom prst="roundRect">
             <a:avLst>
@@ -11654,553 +11501,6 @@
       </p:sp>
       <p:sp>
         <p:nvSpPr>
-          <p:cNvPr id="9" name="QuadreDeText 22">
-            <a:extLst>
-              <a:ext uri="{FF2B5EF4-FFF2-40B4-BE49-F238E27FC236}">
-                <a16:creationId xmlns:a16="http://schemas.microsoft.com/office/drawing/2014/main" id="{3A20E044-9EEF-BB32-0735-F211E03C98AD}"/>
-              </a:ext>
-            </a:extLst>
-          </p:cNvPr>
-          <p:cNvSpPr txBox="1"/>
-          <p:nvPr/>
-        </p:nvSpPr>
-        <p:spPr>
-          <a:xfrm>
-            <a:off x="635384" y="4267302"/>
-            <a:ext cx="5302837" cy="461665"/>
-          </a:xfrm>
-          <a:prstGeom prst="rect">
-            <a:avLst/>
-          </a:prstGeom>
-          <a:noFill/>
-        </p:spPr>
-        <p:txBody>
-          <a:bodyPr wrap="square" rtlCol="0">
-            <a:spAutoFit/>
-          </a:bodyPr>
-          <a:lstStyle/>
-          <a:p>
-            <a:r>
-              <a:rPr lang="es-ES" sz="1200" b="1" dirty="0"/>
-              <a:t>2.</a:t>
-            </a:r>
-            <a:r>
-              <a:rPr lang="es-ES" sz="1200" dirty="0"/>
-              <a:t> </a:t>
-            </a:r>
-            <a:r>
-              <a:rPr lang="es-ES" sz="1200" kern="100" dirty="0">
-                <a:effectLst/>
-                <a:latin typeface="Arial" panose="020B0604020202020204" pitchFamily="34" charset="0"/>
-                <a:ea typeface="Calibri" panose="020F0502020204030204" pitchFamily="34" charset="0"/>
-                <a:cs typeface="Times New Roman" panose="02020603050405020304" pitchFamily="18" charset="0"/>
-              </a:rPr>
-              <a:t>No podremos utilizar la duración en un modelo de regresión predictivo. Por temas de notas metodológicas.</a:t>
-            </a:r>
-            <a:endParaRPr lang="es-ES" sz="1200" dirty="0"/>
-          </a:p>
-        </p:txBody>
-      </p:sp>
-      <p:sp>
-        <p:nvSpPr>
-          <p:cNvPr id="6" name="Rectángulo: esquinas redondeadas 5">
-            <a:extLst>
-              <a:ext uri="{FF2B5EF4-FFF2-40B4-BE49-F238E27FC236}">
-                <a16:creationId xmlns:a16="http://schemas.microsoft.com/office/drawing/2014/main" id="{6BA7053F-6944-AD74-2798-574FFC6ED4F1}"/>
-              </a:ext>
-            </a:extLst>
-          </p:cNvPr>
-          <p:cNvSpPr/>
-          <p:nvPr/>
-        </p:nvSpPr>
-        <p:spPr>
-          <a:xfrm>
-            <a:off x="6433073" y="1104370"/>
-            <a:ext cx="5251176" cy="5296429"/>
-          </a:xfrm>
-          <a:prstGeom prst="roundRect">
-            <a:avLst>
-              <a:gd name="adj" fmla="val 7845"/>
-            </a:avLst>
-          </a:prstGeom>
-          <a:solidFill>
-            <a:schemeClr val="bg1"/>
-          </a:solidFill>
-          <a:ln>
-            <a:noFill/>
-          </a:ln>
-        </p:spPr>
-        <p:style>
-          <a:lnRef idx="2">
-            <a:schemeClr val="accent1">
-              <a:shade val="50000"/>
-            </a:schemeClr>
-          </a:lnRef>
-          <a:fillRef idx="1">
-            <a:schemeClr val="accent1"/>
-          </a:fillRef>
-          <a:effectRef idx="0">
-            <a:schemeClr val="accent1"/>
-          </a:effectRef>
-          <a:fontRef idx="minor">
-            <a:schemeClr val="lt1"/>
-          </a:fontRef>
-        </p:style>
-        <p:txBody>
-          <a:bodyPr rtlCol="0" anchor="ctr"/>
-          <a:lstStyle/>
-          <a:p>
-            <a:pPr algn="ctr"/>
-            <a:endParaRPr lang="es-ES"/>
-          </a:p>
-        </p:txBody>
-      </p:sp>
-      <p:sp>
-        <p:nvSpPr>
-          <p:cNvPr id="5" name="CuadroTexto 4">
-            <a:extLst>
-              <a:ext uri="{FF2B5EF4-FFF2-40B4-BE49-F238E27FC236}">
-                <a16:creationId xmlns:a16="http://schemas.microsoft.com/office/drawing/2014/main" id="{6F29A3A0-026A-5F5F-5539-082A8189C795}"/>
-              </a:ext>
-            </a:extLst>
-          </p:cNvPr>
-          <p:cNvSpPr txBox="1"/>
-          <p:nvPr/>
-        </p:nvSpPr>
-        <p:spPr>
-          <a:xfrm>
-            <a:off x="6562165" y="1755912"/>
-            <a:ext cx="5004023" cy="523220"/>
-          </a:xfrm>
-          <a:prstGeom prst="rect">
-            <a:avLst/>
-          </a:prstGeom>
-          <a:noFill/>
-        </p:spPr>
-        <p:txBody>
-          <a:bodyPr wrap="square">
-            <a:spAutoFit/>
-          </a:bodyPr>
-          <a:lstStyle/>
-          <a:p>
-            <a:r>
-              <a:rPr lang="es-ES" sz="1400" kern="100" dirty="0">
-                <a:effectLst/>
-                <a:ea typeface="Calibri" panose="020F0502020204030204" pitchFamily="34" charset="0"/>
-                <a:cs typeface="Times New Roman" panose="02020603050405020304" pitchFamily="18" charset="0"/>
-              </a:rPr>
-              <a:t>3. Intentaremos encontrar la </a:t>
-            </a:r>
-            <a:r>
-              <a:rPr lang="es-ES" sz="1400" b="1" kern="100" dirty="0">
-                <a:effectLst/>
-                <a:ea typeface="Calibri" panose="020F0502020204030204" pitchFamily="34" charset="0"/>
-                <a:cs typeface="Times New Roman" panose="02020603050405020304" pitchFamily="18" charset="0"/>
-              </a:rPr>
-              <a:t>tasa de conversión</a:t>
-            </a:r>
-            <a:r>
-              <a:rPr lang="es-ES" sz="1400" kern="100" dirty="0">
-                <a:effectLst/>
-                <a:ea typeface="Calibri" panose="020F0502020204030204" pitchFamily="34" charset="0"/>
-                <a:cs typeface="Times New Roman" panose="02020603050405020304" pitchFamily="18" charset="0"/>
-              </a:rPr>
-              <a:t>, una métrica muy utilizada en marketing </a:t>
-            </a:r>
-          </a:p>
-        </p:txBody>
-      </p:sp>
-      <p:pic>
-        <p:nvPicPr>
-          <p:cNvPr id="10" name="Picture 2" descr="Qué es y cómo se calcula la tasa de conversión? - Blog de hiberus">
-            <a:extLst>
-              <a:ext uri="{FF2B5EF4-FFF2-40B4-BE49-F238E27FC236}">
-                <a16:creationId xmlns:a16="http://schemas.microsoft.com/office/drawing/2014/main" id="{9C8DC7D5-4EA0-3534-771E-056F6D1CC98B}"/>
-              </a:ext>
-            </a:extLst>
-          </p:cNvPr>
-          <p:cNvPicPr>
-            <a:picLocks noChangeAspect="1" noChangeArrowheads="1"/>
-          </p:cNvPicPr>
-          <p:nvPr/>
-        </p:nvPicPr>
-        <p:blipFill>
-          <a:blip r:embed="rId3">
-            <a:extLst>
-              <a:ext uri="{28A0092B-C50C-407E-A947-70E740481C1C}">
-                <a14:useLocalDpi xmlns:a14="http://schemas.microsoft.com/office/drawing/2010/main" val="0"/>
-              </a:ext>
-            </a:extLst>
-          </a:blip>
-          <a:srcRect/>
-          <a:stretch>
-            <a:fillRect/>
-          </a:stretch>
-        </p:blipFill>
-        <p:spPr bwMode="auto">
-          <a:xfrm>
-            <a:off x="7344161" y="2671490"/>
-            <a:ext cx="3429000" cy="1333500"/>
-          </a:xfrm>
-          <a:prstGeom prst="roundRect">
-            <a:avLst/>
-          </a:prstGeom>
-          <a:noFill/>
-          <a:extLst>
-            <a:ext uri="{909E8E84-426E-40DD-AFC4-6F175D3DCCD1}">
-              <a14:hiddenFill xmlns:a14="http://schemas.microsoft.com/office/drawing/2010/main">
-                <a:solidFill>
-                  <a:srgbClr val="FFFFFF"/>
-                </a:solidFill>
-              </a14:hiddenFill>
-            </a:ext>
-          </a:extLst>
-        </p:spPr>
-      </p:pic>
-      <p:sp>
-        <p:nvSpPr>
-          <p:cNvPr id="11" name="CuadroTexto 10">
-            <a:extLst>
-              <a:ext uri="{FF2B5EF4-FFF2-40B4-BE49-F238E27FC236}">
-                <a16:creationId xmlns:a16="http://schemas.microsoft.com/office/drawing/2014/main" id="{B1460932-D5D5-A77A-1514-48E5182C4013}"/>
-              </a:ext>
-            </a:extLst>
-          </p:cNvPr>
-          <p:cNvSpPr txBox="1"/>
-          <p:nvPr/>
-        </p:nvSpPr>
-        <p:spPr>
-          <a:xfrm>
-            <a:off x="6562165" y="5082128"/>
-            <a:ext cx="5004023" cy="276999"/>
-          </a:xfrm>
-          <a:prstGeom prst="rect">
-            <a:avLst/>
-          </a:prstGeom>
-          <a:noFill/>
-        </p:spPr>
-        <p:txBody>
-          <a:bodyPr wrap="square" rtlCol="0">
-            <a:spAutoFit/>
-          </a:bodyPr>
-          <a:lstStyle/>
-          <a:p>
-            <a:r>
-              <a:rPr lang="es-ES" sz="1200" b="1" kern="100" dirty="0">
-                <a:ea typeface="Calibri" panose="020F0502020204030204" pitchFamily="34" charset="0"/>
-                <a:cs typeface="Times New Roman" panose="02020603050405020304" pitchFamily="18" charset="0"/>
-              </a:rPr>
-              <a:t>número objetivos: </a:t>
-            </a:r>
-            <a:r>
-              <a:rPr lang="es-ES" sz="1200" kern="100" dirty="0">
-                <a:ea typeface="Calibri" panose="020F0502020204030204" pitchFamily="34" charset="0"/>
-                <a:cs typeface="Times New Roman" panose="02020603050405020304" pitchFamily="18" charset="0"/>
-              </a:rPr>
-              <a:t>número depósitos contratados, es decir, depósito = 1</a:t>
-            </a:r>
-            <a:endParaRPr lang="es-ES" sz="1200" dirty="0"/>
-          </a:p>
-        </p:txBody>
-      </p:sp>
-      <p:sp>
-        <p:nvSpPr>
-          <p:cNvPr id="12" name="CuadroTexto 11">
-            <a:extLst>
-              <a:ext uri="{FF2B5EF4-FFF2-40B4-BE49-F238E27FC236}">
-                <a16:creationId xmlns:a16="http://schemas.microsoft.com/office/drawing/2014/main" id="{C15F55C6-CD87-9468-EBFC-A9E39EBF8C4F}"/>
-              </a:ext>
-            </a:extLst>
-          </p:cNvPr>
-          <p:cNvSpPr txBox="1"/>
-          <p:nvPr/>
-        </p:nvSpPr>
-        <p:spPr>
-          <a:xfrm>
-            <a:off x="6562165" y="5537133"/>
-            <a:ext cx="5004023" cy="276999"/>
-          </a:xfrm>
-          <a:prstGeom prst="rect">
-            <a:avLst/>
-          </a:prstGeom>
-          <a:noFill/>
-        </p:spPr>
-        <p:txBody>
-          <a:bodyPr wrap="square" rtlCol="0">
-            <a:spAutoFit/>
-          </a:bodyPr>
-          <a:lstStyle/>
-          <a:p>
-            <a:r>
-              <a:rPr lang="es-ES" sz="1200" b="1" kern="100" dirty="0">
-                <a:ea typeface="Calibri" panose="020F0502020204030204" pitchFamily="34" charset="0"/>
-                <a:cs typeface="Times New Roman" panose="02020603050405020304" pitchFamily="18" charset="0"/>
-              </a:rPr>
-              <a:t>total visitas: </a:t>
-            </a:r>
-            <a:r>
-              <a:rPr lang="es-ES" sz="1200" kern="100" dirty="0">
-                <a:ea typeface="Calibri" panose="020F0502020204030204" pitchFamily="34" charset="0"/>
-                <a:cs typeface="Times New Roman" panose="02020603050405020304" pitchFamily="18" charset="0"/>
-              </a:rPr>
-              <a:t>número de llamadas realizadas</a:t>
-            </a:r>
-            <a:endParaRPr lang="es-ES" sz="1200" dirty="0"/>
-          </a:p>
-        </p:txBody>
-      </p:sp>
-    </p:spTree>
-    <p:extLst>
-      <p:ext uri="{BB962C8B-B14F-4D97-AF65-F5344CB8AC3E}">
-        <p14:creationId xmlns:p14="http://schemas.microsoft.com/office/powerpoint/2010/main" val="1538360782"/>
-      </p:ext>
-    </p:extLst>
-  </p:cSld>
-  <p:clrMapOvr>
-    <a:masterClrMapping/>
-  </p:clrMapOvr>
-</p:sld>
-</file>
-
-<file path=ppt/slides/slide13.xml><?xml version="1.0" encoding="utf-8"?>
-<p:sld xmlns:a="http://schemas.openxmlformats.org/drawingml/2006/main" xmlns:r="http://schemas.openxmlformats.org/officeDocument/2006/relationships" xmlns:p="http://schemas.openxmlformats.org/presentationml/2006/main">
-  <p:cSld>
-    <p:spTree>
-      <p:nvGrpSpPr>
-        <p:cNvPr id="1" name="">
-          <a:extLst>
-            <a:ext uri="{FF2B5EF4-FFF2-40B4-BE49-F238E27FC236}">
-              <a16:creationId xmlns:a16="http://schemas.microsoft.com/office/drawing/2014/main" id="{2122DA3C-6319-0E9E-C653-C4A5E5E6A806}"/>
-            </a:ext>
-          </a:extLst>
-        </p:cNvPr>
-        <p:cNvGrpSpPr/>
-        <p:nvPr/>
-      </p:nvGrpSpPr>
-      <p:grpSpPr>
-        <a:xfrm>
-          <a:off x="0" y="0"/>
-          <a:ext cx="0" cy="0"/>
-          <a:chOff x="0" y="0"/>
-          <a:chExt cx="0" cy="0"/>
-        </a:xfrm>
-      </p:grpSpPr>
-      <p:sp>
-        <p:nvSpPr>
-          <p:cNvPr id="5" name="Rectángulo 4">
-            <a:extLst>
-              <a:ext uri="{FF2B5EF4-FFF2-40B4-BE49-F238E27FC236}">
-                <a16:creationId xmlns:a16="http://schemas.microsoft.com/office/drawing/2014/main" id="{882A1661-D4E8-303B-BA24-F14D615D13C4}"/>
-              </a:ext>
-            </a:extLst>
-          </p:cNvPr>
-          <p:cNvSpPr/>
-          <p:nvPr/>
-        </p:nvSpPr>
-        <p:spPr>
-          <a:xfrm>
-            <a:off x="0" y="6400800"/>
-            <a:ext cx="2557670" cy="457200"/>
-          </a:xfrm>
-          <a:prstGeom prst="rect">
-            <a:avLst/>
-          </a:prstGeom>
-          <a:solidFill>
-            <a:schemeClr val="bg1">
-              <a:lumMod val="95000"/>
-            </a:schemeClr>
-          </a:solidFill>
-          <a:ln>
-            <a:noFill/>
-          </a:ln>
-        </p:spPr>
-        <p:style>
-          <a:lnRef idx="2">
-            <a:schemeClr val="accent1">
-              <a:shade val="50000"/>
-            </a:schemeClr>
-          </a:lnRef>
-          <a:fillRef idx="1">
-            <a:schemeClr val="accent1"/>
-          </a:fillRef>
-          <a:effectRef idx="0">
-            <a:schemeClr val="accent1"/>
-          </a:effectRef>
-          <a:fontRef idx="minor">
-            <a:schemeClr val="lt1"/>
-          </a:fontRef>
-        </p:style>
-        <p:txBody>
-          <a:bodyPr rtlCol="0" anchor="ctr"/>
-          <a:lstStyle/>
-          <a:p>
-            <a:pPr algn="ctr"/>
-            <a:endParaRPr lang="es-ES"/>
-          </a:p>
-        </p:txBody>
-      </p:sp>
-      <p:sp>
-        <p:nvSpPr>
-          <p:cNvPr id="4" name="Rectángulo: esquinas redondeadas 3">
-            <a:extLst>
-              <a:ext uri="{FF2B5EF4-FFF2-40B4-BE49-F238E27FC236}">
-                <a16:creationId xmlns:a16="http://schemas.microsoft.com/office/drawing/2014/main" id="{85FC98A5-90AF-9E1A-A1FC-8F2B3AC1DD13}"/>
-              </a:ext>
-            </a:extLst>
-          </p:cNvPr>
-          <p:cNvSpPr/>
-          <p:nvPr/>
-        </p:nvSpPr>
-        <p:spPr>
-          <a:xfrm>
-            <a:off x="505959" y="1104371"/>
-            <a:ext cx="11230210" cy="2610000"/>
-          </a:xfrm>
-          <a:prstGeom prst="roundRect">
-            <a:avLst>
-              <a:gd name="adj" fmla="val 7845"/>
-            </a:avLst>
-          </a:prstGeom>
-          <a:solidFill>
-            <a:schemeClr val="bg1"/>
-          </a:solidFill>
-          <a:ln>
-            <a:noFill/>
-          </a:ln>
-        </p:spPr>
-        <p:style>
-          <a:lnRef idx="2">
-            <a:schemeClr val="accent1">
-              <a:shade val="50000"/>
-            </a:schemeClr>
-          </a:lnRef>
-          <a:fillRef idx="1">
-            <a:schemeClr val="accent1"/>
-          </a:fillRef>
-          <a:effectRef idx="0">
-            <a:schemeClr val="accent1"/>
-          </a:effectRef>
-          <a:fontRef idx="minor">
-            <a:schemeClr val="lt1"/>
-          </a:fontRef>
-        </p:style>
-        <p:txBody>
-          <a:bodyPr rtlCol="0" anchor="ctr"/>
-          <a:lstStyle/>
-          <a:p>
-            <a:pPr algn="ctr"/>
-            <a:endParaRPr lang="es-ES"/>
-          </a:p>
-        </p:txBody>
-      </p:sp>
-      <p:sp>
-        <p:nvSpPr>
-          <p:cNvPr id="9" name="QuadreDeText 3">
-            <a:extLst>
-              <a:ext uri="{FF2B5EF4-FFF2-40B4-BE49-F238E27FC236}">
-                <a16:creationId xmlns:a16="http://schemas.microsoft.com/office/drawing/2014/main" id="{E3C7FFE1-A797-62BF-BC16-BAA12271AC8E}"/>
-              </a:ext>
-            </a:extLst>
-          </p:cNvPr>
-          <p:cNvSpPr txBox="1"/>
-          <p:nvPr/>
-        </p:nvSpPr>
-        <p:spPr>
-          <a:xfrm>
-            <a:off x="505958" y="250347"/>
-            <a:ext cx="11230211" cy="461665"/>
-          </a:xfrm>
-          <a:prstGeom prst="rect">
-            <a:avLst/>
-          </a:prstGeom>
-          <a:noFill/>
-        </p:spPr>
-        <p:txBody>
-          <a:bodyPr wrap="square">
-            <a:spAutoFit/>
-          </a:bodyPr>
-          <a:lstStyle/>
-          <a:p>
-            <a:r>
-              <a:rPr lang="es-ES" sz="2400" b="1" dirty="0">
-                <a:solidFill>
-                  <a:schemeClr val="accent3">
-                    <a:lumMod val="50000"/>
-                  </a:schemeClr>
-                </a:solidFill>
-                <a:effectLst/>
-                <a:latin typeface="+mj-lt"/>
-              </a:rPr>
-              <a:t>ANÁLISIS EXPLORATORIO</a:t>
-            </a:r>
-            <a:endParaRPr lang="es-ES" sz="2400" b="1" i="1" dirty="0">
-              <a:solidFill>
-                <a:schemeClr val="accent3">
-                  <a:lumMod val="50000"/>
-                </a:schemeClr>
-              </a:solidFill>
-              <a:effectLst/>
-              <a:latin typeface="+mj-lt"/>
-            </a:endParaRPr>
-          </a:p>
-        </p:txBody>
-      </p:sp>
-      <p:sp>
-        <p:nvSpPr>
-          <p:cNvPr id="17" name="Rectángulo: esquinas redondeadas 16">
-            <a:extLst>
-              <a:ext uri="{FF2B5EF4-FFF2-40B4-BE49-F238E27FC236}">
-                <a16:creationId xmlns:a16="http://schemas.microsoft.com/office/drawing/2014/main" id="{06D06D02-A2C6-D1BD-1C83-D99F0D5BC59E}"/>
-              </a:ext>
-            </a:extLst>
-          </p:cNvPr>
-          <p:cNvSpPr/>
-          <p:nvPr/>
-        </p:nvSpPr>
-        <p:spPr>
-          <a:xfrm>
-            <a:off x="505958" y="3820437"/>
-            <a:ext cx="11230211" cy="2608639"/>
-          </a:xfrm>
-          <a:prstGeom prst="roundRect">
-            <a:avLst>
-              <a:gd name="adj" fmla="val 7845"/>
-            </a:avLst>
-          </a:prstGeom>
-          <a:solidFill>
-            <a:schemeClr val="bg1"/>
-          </a:solidFill>
-          <a:ln>
-            <a:noFill/>
-          </a:ln>
-        </p:spPr>
-        <p:style>
-          <a:lnRef idx="2">
-            <a:schemeClr val="accent1">
-              <a:shade val="50000"/>
-            </a:schemeClr>
-          </a:lnRef>
-          <a:fillRef idx="1">
-            <a:schemeClr val="accent1"/>
-          </a:fillRef>
-          <a:effectRef idx="0">
-            <a:schemeClr val="accent1"/>
-          </a:effectRef>
-          <a:fontRef idx="minor">
-            <a:schemeClr val="lt1"/>
-          </a:fontRef>
-        </p:style>
-        <p:txBody>
-          <a:bodyPr rtlCol="0" anchor="ctr"/>
-          <a:lstStyle/>
-          <a:p>
-            <a:pPr algn="ctr"/>
-            <a:endParaRPr lang="es-ES"/>
-          </a:p>
-        </p:txBody>
-      </p:sp>
-      <p:sp>
-        <p:nvSpPr>
           <p:cNvPr id="30" name="QuadreDeText 16">
             <a:extLst>
               <a:ext uri="{FF2B5EF4-FFF2-40B4-BE49-F238E27FC236}">
@@ -12668,7 +11968,7 @@
 </p:sld>
 </file>
 
-<file path=ppt/slides/slide14.xml><?xml version="1.0" encoding="utf-8"?>
+<file path=ppt/slides/slide13.xml><?xml version="1.0" encoding="utf-8"?>
 <p:sld xmlns:a="http://schemas.openxmlformats.org/drawingml/2006/main" xmlns:r="http://schemas.openxmlformats.org/officeDocument/2006/relationships" xmlns:p="http://schemas.openxmlformats.org/presentationml/2006/main">
   <p:cSld>
     <p:spTree>
@@ -12765,10 +12065,25 @@
           <a:prstGeom prst="rect">
             <a:avLst/>
           </a:prstGeom>
-          <a:solidFill>
-            <a:srgbClr val="FF0000"/>
-          </a:solidFill>
-        </p:spPr>
+          <a:noFill/>
+          <a:ln>
+            <a:noFill/>
+          </a:ln>
+        </p:spPr>
+        <p:style>
+          <a:lnRef idx="2">
+            <a:schemeClr val="dk1"/>
+          </a:lnRef>
+          <a:fillRef idx="1">
+            <a:schemeClr val="lt1"/>
+          </a:fillRef>
+          <a:effectRef idx="0">
+            <a:schemeClr val="dk1"/>
+          </a:effectRef>
+          <a:fontRef idx="minor">
+            <a:schemeClr val="dk1"/>
+          </a:fontRef>
+        </p:style>
         <p:txBody>
           <a:bodyPr wrap="square">
             <a:spAutoFit/>
@@ -12787,6 +12102,13 @@
               </a:rPr>
               <a:t>RELACIÓN ENTRE LA DURACIÓN Y LA SUSCRIPCIÓN</a:t>
             </a:r>
+            <a:endParaRPr lang="es-ES" sz="2400" b="1" dirty="0">
+              <a:solidFill>
+                <a:schemeClr val="accent4"/>
+              </a:solidFill>
+              <a:effectLst/>
+              <a:latin typeface="+mj-lt"/>
+            </a:endParaRPr>
           </a:p>
           <a:p>
             <a:r>
@@ -13736,7 +13058,7 @@
 </p:sld>
 </file>
 
-<file path=ppt/slides/slide15.xml><?xml version="1.0" encoding="utf-8"?>
+<file path=ppt/slides/slide14.xml><?xml version="1.0" encoding="utf-8"?>
 <p:sld xmlns:a="http://schemas.openxmlformats.org/drawingml/2006/main" xmlns:r="http://schemas.openxmlformats.org/officeDocument/2006/relationships" xmlns:p="http://schemas.openxmlformats.org/presentationml/2006/main">
   <p:cSld>
     <p:spTree>
@@ -14067,7 +13389,7 @@
 </p:sld>
 </file>
 
-<file path=ppt/slides/slide16.xml><?xml version="1.0" encoding="utf-8"?>
+<file path=ppt/slides/slide15.xml><?xml version="1.0" encoding="utf-8"?>
 <p:sld xmlns:a="http://schemas.openxmlformats.org/drawingml/2006/main" xmlns:r="http://schemas.openxmlformats.org/officeDocument/2006/relationships" xmlns:p="http://schemas.openxmlformats.org/presentationml/2006/main">
   <p:cSld>
     <p:spTree>
@@ -14990,7 +14312,7 @@
 </p:sld>
 </file>
 
-<file path=ppt/slides/slide17.xml><?xml version="1.0" encoding="utf-8"?>
+<file path=ppt/slides/slide16.xml><?xml version="1.0" encoding="utf-8"?>
 <p:sld xmlns:a="http://schemas.openxmlformats.org/drawingml/2006/main" xmlns:r="http://schemas.openxmlformats.org/officeDocument/2006/relationships" xmlns:p="http://schemas.openxmlformats.org/presentationml/2006/main">
   <p:cSld>
     <p:spTree>
@@ -15193,35 +14515,6 @@
           </a:p>
         </p:txBody>
       </p:sp>
-      <p:pic>
-        <p:nvPicPr>
-          <p:cNvPr id="2" name="Imagen 1">
-            <a:extLst>
-              <a:ext uri="{FF2B5EF4-FFF2-40B4-BE49-F238E27FC236}">
-                <a16:creationId xmlns:a16="http://schemas.microsoft.com/office/drawing/2014/main" id="{D9383F48-F579-B296-1218-E192DF8BECA8}"/>
-              </a:ext>
-            </a:extLst>
-          </p:cNvPr>
-          <p:cNvPicPr>
-            <a:picLocks noChangeAspect="1"/>
-          </p:cNvPicPr>
-          <p:nvPr/>
-        </p:nvPicPr>
-        <p:blipFill>
-          <a:blip r:embed="rId3"/>
-          <a:srcRect b="1878"/>
-          <a:stretch/>
-        </p:blipFill>
-        <p:spPr>
-          <a:xfrm>
-            <a:off x="790267" y="1306068"/>
-            <a:ext cx="4317993" cy="4753603"/>
-          </a:xfrm>
-          <a:prstGeom prst="rect">
-            <a:avLst/>
-          </a:prstGeom>
-        </p:spPr>
-      </p:pic>
       <p:sp>
         <p:nvSpPr>
           <p:cNvPr id="11" name="CuadroTexto 10">
@@ -15383,6 +14676,53 @@
           </a:p>
         </p:txBody>
       </p:sp>
+      <p:pic>
+        <p:nvPicPr>
+          <p:cNvPr id="1026" name="Picture 2">
+            <a:extLst>
+              <a:ext uri="{FF2B5EF4-FFF2-40B4-BE49-F238E27FC236}">
+                <a16:creationId xmlns:a16="http://schemas.microsoft.com/office/drawing/2014/main" id="{B8E8CCAB-D916-4C20-B578-1B3C27C0BF11}"/>
+              </a:ext>
+            </a:extLst>
+          </p:cNvPr>
+          <p:cNvPicPr>
+            <a:picLocks noChangeAspect="1" noChangeArrowheads="1"/>
+          </p:cNvPicPr>
+          <p:nvPr/>
+        </p:nvPicPr>
+        <p:blipFill>
+          <a:blip r:embed="rId3">
+            <a:extLst>
+              <a:ext uri="{28A0092B-C50C-407E-A947-70E740481C1C}">
+                <a14:useLocalDpi xmlns:a14="http://schemas.microsoft.com/office/drawing/2010/main" val="0"/>
+              </a:ext>
+            </a:extLst>
+          </a:blip>
+          <a:srcRect/>
+          <a:stretch>
+            <a:fillRect/>
+          </a:stretch>
+        </p:blipFill>
+        <p:spPr bwMode="auto">
+          <a:xfrm>
+            <a:off x="916233" y="1155643"/>
+            <a:ext cx="4643755" cy="5193886"/>
+          </a:xfrm>
+          <a:prstGeom prst="rect">
+            <a:avLst/>
+          </a:prstGeom>
+          <a:noFill/>
+          <a:extLst>
+            <a:ext uri="{909E8E84-426E-40DD-AFC4-6F175D3DCCD1}">
+              <a14:hiddenFill xmlns:a14="http://schemas.microsoft.com/office/drawing/2010/main">
+                <a:solidFill>
+                  <a:srgbClr val="FFFFFF"/>
+                </a:solidFill>
+              </a14:hiddenFill>
+            </a:ext>
+          </a:extLst>
+        </p:spPr>
+      </p:pic>
     </p:spTree>
     <p:extLst>
       <p:ext uri="{BB962C8B-B14F-4D97-AF65-F5344CB8AC3E}">
@@ -15396,7 +14736,7 @@
 </p:sld>
 </file>
 
-<file path=ppt/slides/slide18.xml><?xml version="1.0" encoding="utf-8"?>
+<file path=ppt/slides/slide17.xml><?xml version="1.0" encoding="utf-8"?>
 <p:sld xmlns:a="http://schemas.openxmlformats.org/drawingml/2006/main" xmlns:r="http://schemas.openxmlformats.org/officeDocument/2006/relationships" xmlns:p="http://schemas.openxmlformats.org/presentationml/2006/main">
   <p:cSld>
     <p:spTree>
@@ -15781,8 +15121,8 @@
         </p:nvSpPr>
         <p:spPr>
           <a:xfrm>
-            <a:off x="1939561" y="4427861"/>
-            <a:ext cx="3874360" cy="1787723"/>
+            <a:off x="1939561" y="4529914"/>
+            <a:ext cx="3874360" cy="1540847"/>
           </a:xfrm>
           <a:prstGeom prst="roundRect">
             <a:avLst/>
@@ -15800,17 +15140,6 @@
             <a:spAutoFit/>
           </a:bodyPr>
           <a:lstStyle/>
-          <a:p>
-            <a:pPr algn="just">
-              <a:spcBef>
-                <a:spcPts val="300"/>
-              </a:spcBef>
-            </a:pPr>
-            <a:r>
-              <a:rPr lang="es-ES" sz="1200" b="1" dirty="0"/>
-              <a:t>RECOMENDACIONES</a:t>
-            </a:r>
-          </a:p>
           <a:p>
             <a:pPr marL="171450" indent="-171450" algn="just">
               <a:spcBef>
@@ -16607,7 +15936,7 @@
 </p:sld>
 </file>
 
-<file path=ppt/slides/slide19.xml><?xml version="1.0" encoding="utf-8"?>
+<file path=ppt/slides/slide18.xml><?xml version="1.0" encoding="utf-8"?>
 <p:sld xmlns:a="http://schemas.openxmlformats.org/drawingml/2006/main" xmlns:r="http://schemas.openxmlformats.org/officeDocument/2006/relationships" xmlns:p="http://schemas.openxmlformats.org/presentationml/2006/main">
   <p:cSld>
     <p:spTree>
@@ -16953,337 +16282,7 @@
 </p:sld>
 </file>
 
-<file path=ppt/slides/slide2.xml><?xml version="1.0" encoding="utf-8"?>
-<p:sld xmlns:a="http://schemas.openxmlformats.org/drawingml/2006/main" xmlns:r="http://schemas.openxmlformats.org/officeDocument/2006/relationships" xmlns:p="http://schemas.openxmlformats.org/presentationml/2006/main">
-  <p:cSld>
-    <p:spTree>
-      <p:nvGrpSpPr>
-        <p:cNvPr id="1" name=""/>
-        <p:cNvGrpSpPr/>
-        <p:nvPr/>
-      </p:nvGrpSpPr>
-      <p:grpSpPr>
-        <a:xfrm>
-          <a:off x="0" y="0"/>
-          <a:ext cx="0" cy="0"/>
-          <a:chOff x="0" y="0"/>
-          <a:chExt cx="0" cy="0"/>
-        </a:xfrm>
-      </p:grpSpPr>
-      <p:pic>
-        <p:nvPicPr>
-          <p:cNvPr id="5" name="Marcador de posición de imagen 4" descr="Interfaz de usuario gráfica&#10;&#10;Descripción generada automáticamente">
-            <a:extLst>
-              <a:ext uri="{FF2B5EF4-FFF2-40B4-BE49-F238E27FC236}">
-                <a16:creationId xmlns:a16="http://schemas.microsoft.com/office/drawing/2014/main" id="{E07E29FC-6D83-1A79-1C5C-645031368BD0}"/>
-              </a:ext>
-            </a:extLst>
-          </p:cNvPr>
-          <p:cNvPicPr>
-            <a:picLocks noGrp="1" noChangeAspect="1"/>
-          </p:cNvPicPr>
-          <p:nvPr>
-            <p:ph type="pic" sz="quarter" idx="10"/>
-          </p:nvPr>
-        </p:nvPicPr>
-        <p:blipFill>
-          <a:blip r:embed="rId3"/>
-          <a:srcRect l="17672" r="12921"/>
-          <a:stretch/>
-        </p:blipFill>
-        <p:spPr>
-          <a:xfrm>
-            <a:off x="5733416" y="624239"/>
-            <a:ext cx="5855754" cy="5631571"/>
-          </a:xfrm>
-          <a:custGeom>
-            <a:avLst/>
-            <a:gdLst>
-              <a:gd name="connsiteX0" fmla="*/ 0 w 4441372"/>
-              <a:gd name="connsiteY0" fmla="*/ 3188969 h 5393036"/>
-              <a:gd name="connsiteX1" fmla="*/ 2173516 w 4441372"/>
-              <a:gd name="connsiteY1" fmla="*/ 3188969 h 5393036"/>
-              <a:gd name="connsiteX2" fmla="*/ 2173516 w 4441372"/>
-              <a:gd name="connsiteY2" fmla="*/ 5393036 h 5393036"/>
-              <a:gd name="connsiteX3" fmla="*/ 0 w 4441372"/>
-              <a:gd name="connsiteY3" fmla="*/ 5393036 h 5393036"/>
-              <a:gd name="connsiteX4" fmla="*/ 2267856 w 4441372"/>
-              <a:gd name="connsiteY4" fmla="*/ 2293018 h 5393036"/>
-              <a:gd name="connsiteX5" fmla="*/ 4441372 w 4441372"/>
-              <a:gd name="connsiteY5" fmla="*/ 2293018 h 5393036"/>
-              <a:gd name="connsiteX6" fmla="*/ 4441372 w 4441372"/>
-              <a:gd name="connsiteY6" fmla="*/ 4497085 h 5393036"/>
-              <a:gd name="connsiteX7" fmla="*/ 2267856 w 4441372"/>
-              <a:gd name="connsiteY7" fmla="*/ 4497085 h 5393036"/>
-              <a:gd name="connsiteX8" fmla="*/ 0 w 4441372"/>
-              <a:gd name="connsiteY8" fmla="*/ 906837 h 5393036"/>
-              <a:gd name="connsiteX9" fmla="*/ 2173516 w 4441372"/>
-              <a:gd name="connsiteY9" fmla="*/ 906837 h 5393036"/>
-              <a:gd name="connsiteX10" fmla="*/ 2173516 w 4441372"/>
-              <a:gd name="connsiteY10" fmla="*/ 3110904 h 5393036"/>
-              <a:gd name="connsiteX11" fmla="*/ 0 w 4441372"/>
-              <a:gd name="connsiteY11" fmla="*/ 3110904 h 5393036"/>
-              <a:gd name="connsiteX12" fmla="*/ 2267856 w 4441372"/>
-              <a:gd name="connsiteY12" fmla="*/ 0 h 5393036"/>
-              <a:gd name="connsiteX13" fmla="*/ 4441372 w 4441372"/>
-              <a:gd name="connsiteY13" fmla="*/ 0 h 5393036"/>
-              <a:gd name="connsiteX14" fmla="*/ 4441372 w 4441372"/>
-              <a:gd name="connsiteY14" fmla="*/ 2204067 h 5393036"/>
-              <a:gd name="connsiteX15" fmla="*/ 2267856 w 4441372"/>
-              <a:gd name="connsiteY15" fmla="*/ 2204067 h 5393036"/>
-            </a:gdLst>
-            <a:ahLst/>
-            <a:cxnLst>
-              <a:cxn ang="0">
-                <a:pos x="connsiteX0" y="connsiteY0"/>
-              </a:cxn>
-              <a:cxn ang="0">
-                <a:pos x="connsiteX1" y="connsiteY1"/>
-              </a:cxn>
-              <a:cxn ang="0">
-                <a:pos x="connsiteX2" y="connsiteY2"/>
-              </a:cxn>
-              <a:cxn ang="0">
-                <a:pos x="connsiteX3" y="connsiteY3"/>
-              </a:cxn>
-              <a:cxn ang="0">
-                <a:pos x="connsiteX4" y="connsiteY4"/>
-              </a:cxn>
-              <a:cxn ang="0">
-                <a:pos x="connsiteX5" y="connsiteY5"/>
-              </a:cxn>
-              <a:cxn ang="0">
-                <a:pos x="connsiteX6" y="connsiteY6"/>
-              </a:cxn>
-              <a:cxn ang="0">
-                <a:pos x="connsiteX7" y="connsiteY7"/>
-              </a:cxn>
-              <a:cxn ang="0">
-                <a:pos x="connsiteX8" y="connsiteY8"/>
-              </a:cxn>
-              <a:cxn ang="0">
-                <a:pos x="connsiteX9" y="connsiteY9"/>
-              </a:cxn>
-              <a:cxn ang="0">
-                <a:pos x="connsiteX10" y="connsiteY10"/>
-              </a:cxn>
-              <a:cxn ang="0">
-                <a:pos x="connsiteX11" y="connsiteY11"/>
-              </a:cxn>
-              <a:cxn ang="0">
-                <a:pos x="connsiteX12" y="connsiteY12"/>
-              </a:cxn>
-              <a:cxn ang="0">
-                <a:pos x="connsiteX13" y="connsiteY13"/>
-              </a:cxn>
-              <a:cxn ang="0">
-                <a:pos x="connsiteX14" y="connsiteY14"/>
-              </a:cxn>
-              <a:cxn ang="0">
-                <a:pos x="connsiteX15" y="connsiteY15"/>
-              </a:cxn>
-            </a:cxnLst>
-            <a:rect l="l" t="t" r="r" b="b"/>
-            <a:pathLst>
-              <a:path w="4441372" h="5393036">
-                <a:moveTo>
-                  <a:pt x="0" y="3188969"/>
-                </a:moveTo>
-                <a:lnTo>
-                  <a:pt x="2173516" y="3188969"/>
-                </a:lnTo>
-                <a:lnTo>
-                  <a:pt x="2173516" y="5393036"/>
-                </a:lnTo>
-                <a:lnTo>
-                  <a:pt x="0" y="5393036"/>
-                </a:lnTo>
-                <a:close/>
-                <a:moveTo>
-                  <a:pt x="2267856" y="2293018"/>
-                </a:moveTo>
-                <a:lnTo>
-                  <a:pt x="4441372" y="2293018"/>
-                </a:lnTo>
-                <a:lnTo>
-                  <a:pt x="4441372" y="4497085"/>
-                </a:lnTo>
-                <a:lnTo>
-                  <a:pt x="2267856" y="4497085"/>
-                </a:lnTo>
-                <a:close/>
-                <a:moveTo>
-                  <a:pt x="0" y="906837"/>
-                </a:moveTo>
-                <a:lnTo>
-                  <a:pt x="2173516" y="906837"/>
-                </a:lnTo>
-                <a:lnTo>
-                  <a:pt x="2173516" y="3110904"/>
-                </a:lnTo>
-                <a:lnTo>
-                  <a:pt x="0" y="3110904"/>
-                </a:lnTo>
-                <a:close/>
-                <a:moveTo>
-                  <a:pt x="2267856" y="0"/>
-                </a:moveTo>
-                <a:lnTo>
-                  <a:pt x="4441372" y="0"/>
-                </a:lnTo>
-                <a:lnTo>
-                  <a:pt x="4441372" y="2204067"/>
-                </a:lnTo>
-                <a:lnTo>
-                  <a:pt x="2267856" y="2204067"/>
-                </a:lnTo>
-                <a:close/>
-              </a:path>
-            </a:pathLst>
-          </a:custGeom>
-          <a:noFill/>
-        </p:spPr>
-      </p:pic>
-      <p:sp>
-        <p:nvSpPr>
-          <p:cNvPr id="7" name="Marcador de texto 6">
-            <a:extLst>
-              <a:ext uri="{FF2B5EF4-FFF2-40B4-BE49-F238E27FC236}">
-                <a16:creationId xmlns:a16="http://schemas.microsoft.com/office/drawing/2014/main" id="{B21C28F5-3CA3-4B78-B5C9-550C00BB3174}"/>
-              </a:ext>
-            </a:extLst>
-          </p:cNvPr>
-          <p:cNvSpPr>
-            <a:spLocks noGrp="1"/>
-          </p:cNvSpPr>
-          <p:nvPr>
-            <p:ph type="body" sz="quarter" idx="12"/>
-          </p:nvPr>
-        </p:nvSpPr>
-        <p:spPr>
-          <a:xfrm>
-            <a:off x="660400" y="3460025"/>
-            <a:ext cx="4275138" cy="1525450"/>
-          </a:xfrm>
-        </p:spPr>
-        <p:txBody>
-          <a:bodyPr rtlCol="0">
-            <a:normAutofit fontScale="85000" lnSpcReduction="10000"/>
-          </a:bodyPr>
-          <a:lstStyle/>
-          <a:p>
-            <a:pPr rtl="0"/>
-            <a:r>
-              <a:rPr lang="es-ES" sz="2400" dirty="0"/>
-              <a:t>¿Cuáles son los perfiles demográficos que muestran mayor propensión a contratar productos financieros?</a:t>
-            </a:r>
-          </a:p>
-        </p:txBody>
-      </p:sp>
-      <p:sp>
-        <p:nvSpPr>
-          <p:cNvPr id="9" name="Título 8">
-            <a:extLst>
-              <a:ext uri="{FF2B5EF4-FFF2-40B4-BE49-F238E27FC236}">
-                <a16:creationId xmlns:a16="http://schemas.microsoft.com/office/drawing/2014/main" id="{FEF304F5-32C5-4869-B185-859B567855A8}"/>
-              </a:ext>
-            </a:extLst>
-          </p:cNvPr>
-          <p:cNvSpPr>
-            <a:spLocks noGrp="1"/>
-          </p:cNvSpPr>
-          <p:nvPr>
-            <p:ph type="title"/>
-          </p:nvPr>
-        </p:nvSpPr>
-        <p:spPr>
-          <a:xfrm>
-            <a:off x="660400" y="805213"/>
-            <a:ext cx="3340100" cy="1239487"/>
-          </a:xfrm>
-        </p:spPr>
-        <p:txBody>
-          <a:bodyPr rtlCol="0">
-            <a:normAutofit fontScale="90000"/>
-          </a:bodyPr>
-          <a:lstStyle/>
-          <a:p>
-            <a:pPr rtl="0"/>
-            <a:r>
-              <a:rPr lang="es-ES" dirty="0"/>
-              <a:t>Análisis del Perfil de Cliente</a:t>
-            </a:r>
-          </a:p>
-        </p:txBody>
-      </p:sp>
-      <p:sp>
-        <p:nvSpPr>
-          <p:cNvPr id="6" name="Rectángulo 5">
-            <a:extLst>
-              <a:ext uri="{FF2B5EF4-FFF2-40B4-BE49-F238E27FC236}">
-                <a16:creationId xmlns:a16="http://schemas.microsoft.com/office/drawing/2014/main" id="{8510AAA5-B1F0-C3F6-303F-BF6AE2BB66B9}"/>
-              </a:ext>
-            </a:extLst>
-          </p:cNvPr>
-          <p:cNvSpPr/>
-          <p:nvPr/>
-        </p:nvSpPr>
-        <p:spPr>
-          <a:xfrm>
-            <a:off x="0" y="6400800"/>
-            <a:ext cx="2557670" cy="457200"/>
-          </a:xfrm>
-          <a:prstGeom prst="rect">
-            <a:avLst/>
-          </a:prstGeom>
-          <a:solidFill>
-            <a:schemeClr val="bg1">
-              <a:lumMod val="95000"/>
-            </a:schemeClr>
-          </a:solidFill>
-          <a:ln>
-            <a:noFill/>
-          </a:ln>
-        </p:spPr>
-        <p:style>
-          <a:lnRef idx="2">
-            <a:schemeClr val="accent1">
-              <a:shade val="50000"/>
-            </a:schemeClr>
-          </a:lnRef>
-          <a:fillRef idx="1">
-            <a:schemeClr val="accent1"/>
-          </a:fillRef>
-          <a:effectRef idx="0">
-            <a:schemeClr val="accent1"/>
-          </a:effectRef>
-          <a:fontRef idx="minor">
-            <a:schemeClr val="lt1"/>
-          </a:fontRef>
-        </p:style>
-        <p:txBody>
-          <a:bodyPr rtlCol="0" anchor="ctr"/>
-          <a:lstStyle/>
-          <a:p>
-            <a:pPr algn="ctr"/>
-            <a:endParaRPr lang="es-ES"/>
-          </a:p>
-        </p:txBody>
-      </p:sp>
-    </p:spTree>
-    <p:extLst>
-      <p:ext uri="{BB962C8B-B14F-4D97-AF65-F5344CB8AC3E}">
-        <p14:creationId xmlns:p14="http://schemas.microsoft.com/office/powerpoint/2010/main" val="1341901065"/>
-      </p:ext>
-    </p:extLst>
-  </p:cSld>
-  <p:clrMapOvr>
-    <a:masterClrMapping/>
-  </p:clrMapOvr>
-</p:sld>
-</file>
-
-<file path=ppt/slides/slide20.xml><?xml version="1.0" encoding="utf-8"?>
+<file path=ppt/slides/slide19.xml><?xml version="1.0" encoding="utf-8"?>
 <p:sld xmlns:a="http://schemas.openxmlformats.org/drawingml/2006/main" xmlns:r="http://schemas.openxmlformats.org/officeDocument/2006/relationships" xmlns:p="http://schemas.openxmlformats.org/presentationml/2006/main">
   <p:cSld>
     <p:spTree>
@@ -18371,7 +17370,337 @@
 </p:sld>
 </file>
 
-<file path=ppt/slides/slide21.xml><?xml version="1.0" encoding="utf-8"?>
+<file path=ppt/slides/slide2.xml><?xml version="1.0" encoding="utf-8"?>
+<p:sld xmlns:a="http://schemas.openxmlformats.org/drawingml/2006/main" xmlns:r="http://schemas.openxmlformats.org/officeDocument/2006/relationships" xmlns:p="http://schemas.openxmlformats.org/presentationml/2006/main">
+  <p:cSld>
+    <p:spTree>
+      <p:nvGrpSpPr>
+        <p:cNvPr id="1" name=""/>
+        <p:cNvGrpSpPr/>
+        <p:nvPr/>
+      </p:nvGrpSpPr>
+      <p:grpSpPr>
+        <a:xfrm>
+          <a:off x="0" y="0"/>
+          <a:ext cx="0" cy="0"/>
+          <a:chOff x="0" y="0"/>
+          <a:chExt cx="0" cy="0"/>
+        </a:xfrm>
+      </p:grpSpPr>
+      <p:pic>
+        <p:nvPicPr>
+          <p:cNvPr id="5" name="Marcador de posición de imagen 4" descr="Interfaz de usuario gráfica&#10;&#10;Descripción generada automáticamente">
+            <a:extLst>
+              <a:ext uri="{FF2B5EF4-FFF2-40B4-BE49-F238E27FC236}">
+                <a16:creationId xmlns:a16="http://schemas.microsoft.com/office/drawing/2014/main" id="{E07E29FC-6D83-1A79-1C5C-645031368BD0}"/>
+              </a:ext>
+            </a:extLst>
+          </p:cNvPr>
+          <p:cNvPicPr>
+            <a:picLocks noGrp="1" noChangeAspect="1"/>
+          </p:cNvPicPr>
+          <p:nvPr>
+            <p:ph type="pic" sz="quarter" idx="10"/>
+          </p:nvPr>
+        </p:nvPicPr>
+        <p:blipFill>
+          <a:blip r:embed="rId3"/>
+          <a:srcRect l="17672" r="12921"/>
+          <a:stretch/>
+        </p:blipFill>
+        <p:spPr>
+          <a:xfrm>
+            <a:off x="5733416" y="624239"/>
+            <a:ext cx="5855754" cy="5631571"/>
+          </a:xfrm>
+          <a:custGeom>
+            <a:avLst/>
+            <a:gdLst>
+              <a:gd name="connsiteX0" fmla="*/ 0 w 4441372"/>
+              <a:gd name="connsiteY0" fmla="*/ 3188969 h 5393036"/>
+              <a:gd name="connsiteX1" fmla="*/ 2173516 w 4441372"/>
+              <a:gd name="connsiteY1" fmla="*/ 3188969 h 5393036"/>
+              <a:gd name="connsiteX2" fmla="*/ 2173516 w 4441372"/>
+              <a:gd name="connsiteY2" fmla="*/ 5393036 h 5393036"/>
+              <a:gd name="connsiteX3" fmla="*/ 0 w 4441372"/>
+              <a:gd name="connsiteY3" fmla="*/ 5393036 h 5393036"/>
+              <a:gd name="connsiteX4" fmla="*/ 2267856 w 4441372"/>
+              <a:gd name="connsiteY4" fmla="*/ 2293018 h 5393036"/>
+              <a:gd name="connsiteX5" fmla="*/ 4441372 w 4441372"/>
+              <a:gd name="connsiteY5" fmla="*/ 2293018 h 5393036"/>
+              <a:gd name="connsiteX6" fmla="*/ 4441372 w 4441372"/>
+              <a:gd name="connsiteY6" fmla="*/ 4497085 h 5393036"/>
+              <a:gd name="connsiteX7" fmla="*/ 2267856 w 4441372"/>
+              <a:gd name="connsiteY7" fmla="*/ 4497085 h 5393036"/>
+              <a:gd name="connsiteX8" fmla="*/ 0 w 4441372"/>
+              <a:gd name="connsiteY8" fmla="*/ 906837 h 5393036"/>
+              <a:gd name="connsiteX9" fmla="*/ 2173516 w 4441372"/>
+              <a:gd name="connsiteY9" fmla="*/ 906837 h 5393036"/>
+              <a:gd name="connsiteX10" fmla="*/ 2173516 w 4441372"/>
+              <a:gd name="connsiteY10" fmla="*/ 3110904 h 5393036"/>
+              <a:gd name="connsiteX11" fmla="*/ 0 w 4441372"/>
+              <a:gd name="connsiteY11" fmla="*/ 3110904 h 5393036"/>
+              <a:gd name="connsiteX12" fmla="*/ 2267856 w 4441372"/>
+              <a:gd name="connsiteY12" fmla="*/ 0 h 5393036"/>
+              <a:gd name="connsiteX13" fmla="*/ 4441372 w 4441372"/>
+              <a:gd name="connsiteY13" fmla="*/ 0 h 5393036"/>
+              <a:gd name="connsiteX14" fmla="*/ 4441372 w 4441372"/>
+              <a:gd name="connsiteY14" fmla="*/ 2204067 h 5393036"/>
+              <a:gd name="connsiteX15" fmla="*/ 2267856 w 4441372"/>
+              <a:gd name="connsiteY15" fmla="*/ 2204067 h 5393036"/>
+            </a:gdLst>
+            <a:ahLst/>
+            <a:cxnLst>
+              <a:cxn ang="0">
+                <a:pos x="connsiteX0" y="connsiteY0"/>
+              </a:cxn>
+              <a:cxn ang="0">
+                <a:pos x="connsiteX1" y="connsiteY1"/>
+              </a:cxn>
+              <a:cxn ang="0">
+                <a:pos x="connsiteX2" y="connsiteY2"/>
+              </a:cxn>
+              <a:cxn ang="0">
+                <a:pos x="connsiteX3" y="connsiteY3"/>
+              </a:cxn>
+              <a:cxn ang="0">
+                <a:pos x="connsiteX4" y="connsiteY4"/>
+              </a:cxn>
+              <a:cxn ang="0">
+                <a:pos x="connsiteX5" y="connsiteY5"/>
+              </a:cxn>
+              <a:cxn ang="0">
+                <a:pos x="connsiteX6" y="connsiteY6"/>
+              </a:cxn>
+              <a:cxn ang="0">
+                <a:pos x="connsiteX7" y="connsiteY7"/>
+              </a:cxn>
+              <a:cxn ang="0">
+                <a:pos x="connsiteX8" y="connsiteY8"/>
+              </a:cxn>
+              <a:cxn ang="0">
+                <a:pos x="connsiteX9" y="connsiteY9"/>
+              </a:cxn>
+              <a:cxn ang="0">
+                <a:pos x="connsiteX10" y="connsiteY10"/>
+              </a:cxn>
+              <a:cxn ang="0">
+                <a:pos x="connsiteX11" y="connsiteY11"/>
+              </a:cxn>
+              <a:cxn ang="0">
+                <a:pos x="connsiteX12" y="connsiteY12"/>
+              </a:cxn>
+              <a:cxn ang="0">
+                <a:pos x="connsiteX13" y="connsiteY13"/>
+              </a:cxn>
+              <a:cxn ang="0">
+                <a:pos x="connsiteX14" y="connsiteY14"/>
+              </a:cxn>
+              <a:cxn ang="0">
+                <a:pos x="connsiteX15" y="connsiteY15"/>
+              </a:cxn>
+            </a:cxnLst>
+            <a:rect l="l" t="t" r="r" b="b"/>
+            <a:pathLst>
+              <a:path w="4441372" h="5393036">
+                <a:moveTo>
+                  <a:pt x="0" y="3188969"/>
+                </a:moveTo>
+                <a:lnTo>
+                  <a:pt x="2173516" y="3188969"/>
+                </a:lnTo>
+                <a:lnTo>
+                  <a:pt x="2173516" y="5393036"/>
+                </a:lnTo>
+                <a:lnTo>
+                  <a:pt x="0" y="5393036"/>
+                </a:lnTo>
+                <a:close/>
+                <a:moveTo>
+                  <a:pt x="2267856" y="2293018"/>
+                </a:moveTo>
+                <a:lnTo>
+                  <a:pt x="4441372" y="2293018"/>
+                </a:lnTo>
+                <a:lnTo>
+                  <a:pt x="4441372" y="4497085"/>
+                </a:lnTo>
+                <a:lnTo>
+                  <a:pt x="2267856" y="4497085"/>
+                </a:lnTo>
+                <a:close/>
+                <a:moveTo>
+                  <a:pt x="0" y="906837"/>
+                </a:moveTo>
+                <a:lnTo>
+                  <a:pt x="2173516" y="906837"/>
+                </a:lnTo>
+                <a:lnTo>
+                  <a:pt x="2173516" y="3110904"/>
+                </a:lnTo>
+                <a:lnTo>
+                  <a:pt x="0" y="3110904"/>
+                </a:lnTo>
+                <a:close/>
+                <a:moveTo>
+                  <a:pt x="2267856" y="0"/>
+                </a:moveTo>
+                <a:lnTo>
+                  <a:pt x="4441372" y="0"/>
+                </a:lnTo>
+                <a:lnTo>
+                  <a:pt x="4441372" y="2204067"/>
+                </a:lnTo>
+                <a:lnTo>
+                  <a:pt x="2267856" y="2204067"/>
+                </a:lnTo>
+                <a:close/>
+              </a:path>
+            </a:pathLst>
+          </a:custGeom>
+          <a:noFill/>
+        </p:spPr>
+      </p:pic>
+      <p:sp>
+        <p:nvSpPr>
+          <p:cNvPr id="7" name="Marcador de texto 6">
+            <a:extLst>
+              <a:ext uri="{FF2B5EF4-FFF2-40B4-BE49-F238E27FC236}">
+                <a16:creationId xmlns:a16="http://schemas.microsoft.com/office/drawing/2014/main" id="{B21C28F5-3CA3-4B78-B5C9-550C00BB3174}"/>
+              </a:ext>
+            </a:extLst>
+          </p:cNvPr>
+          <p:cNvSpPr>
+            <a:spLocks noGrp="1"/>
+          </p:cNvSpPr>
+          <p:nvPr>
+            <p:ph type="body" sz="quarter" idx="12"/>
+          </p:nvPr>
+        </p:nvSpPr>
+        <p:spPr>
+          <a:xfrm>
+            <a:off x="660400" y="3460025"/>
+            <a:ext cx="4275138" cy="1525450"/>
+          </a:xfrm>
+        </p:spPr>
+        <p:txBody>
+          <a:bodyPr rtlCol="0">
+            <a:normAutofit fontScale="85000" lnSpcReduction="10000"/>
+          </a:bodyPr>
+          <a:lstStyle/>
+          <a:p>
+            <a:pPr rtl="0"/>
+            <a:r>
+              <a:rPr lang="es-ES" sz="2400" dirty="0"/>
+              <a:t>¿Cuáles son los perfiles demográficos que muestran mayor propensión a contratar productos financieros?</a:t>
+            </a:r>
+          </a:p>
+        </p:txBody>
+      </p:sp>
+      <p:sp>
+        <p:nvSpPr>
+          <p:cNvPr id="9" name="Título 8">
+            <a:extLst>
+              <a:ext uri="{FF2B5EF4-FFF2-40B4-BE49-F238E27FC236}">
+                <a16:creationId xmlns:a16="http://schemas.microsoft.com/office/drawing/2014/main" id="{FEF304F5-32C5-4869-B185-859B567855A8}"/>
+              </a:ext>
+            </a:extLst>
+          </p:cNvPr>
+          <p:cNvSpPr>
+            <a:spLocks noGrp="1"/>
+          </p:cNvSpPr>
+          <p:nvPr>
+            <p:ph type="title"/>
+          </p:nvPr>
+        </p:nvSpPr>
+        <p:spPr>
+          <a:xfrm>
+            <a:off x="660400" y="805213"/>
+            <a:ext cx="3340100" cy="1239487"/>
+          </a:xfrm>
+        </p:spPr>
+        <p:txBody>
+          <a:bodyPr rtlCol="0">
+            <a:normAutofit fontScale="90000"/>
+          </a:bodyPr>
+          <a:lstStyle/>
+          <a:p>
+            <a:pPr rtl="0"/>
+            <a:r>
+              <a:rPr lang="es-ES" dirty="0"/>
+              <a:t>Análisis del Perfil de Cliente</a:t>
+            </a:r>
+          </a:p>
+        </p:txBody>
+      </p:sp>
+      <p:sp>
+        <p:nvSpPr>
+          <p:cNvPr id="6" name="Rectángulo 5">
+            <a:extLst>
+              <a:ext uri="{FF2B5EF4-FFF2-40B4-BE49-F238E27FC236}">
+                <a16:creationId xmlns:a16="http://schemas.microsoft.com/office/drawing/2014/main" id="{8510AAA5-B1F0-C3F6-303F-BF6AE2BB66B9}"/>
+              </a:ext>
+            </a:extLst>
+          </p:cNvPr>
+          <p:cNvSpPr/>
+          <p:nvPr/>
+        </p:nvSpPr>
+        <p:spPr>
+          <a:xfrm>
+            <a:off x="0" y="6400800"/>
+            <a:ext cx="2557670" cy="457200"/>
+          </a:xfrm>
+          <a:prstGeom prst="rect">
+            <a:avLst/>
+          </a:prstGeom>
+          <a:solidFill>
+            <a:schemeClr val="bg1">
+              <a:lumMod val="95000"/>
+            </a:schemeClr>
+          </a:solidFill>
+          <a:ln>
+            <a:noFill/>
+          </a:ln>
+        </p:spPr>
+        <p:style>
+          <a:lnRef idx="2">
+            <a:schemeClr val="accent1">
+              <a:shade val="50000"/>
+            </a:schemeClr>
+          </a:lnRef>
+          <a:fillRef idx="1">
+            <a:schemeClr val="accent1"/>
+          </a:fillRef>
+          <a:effectRef idx="0">
+            <a:schemeClr val="accent1"/>
+          </a:effectRef>
+          <a:fontRef idx="minor">
+            <a:schemeClr val="lt1"/>
+          </a:fontRef>
+        </p:style>
+        <p:txBody>
+          <a:bodyPr rtlCol="0" anchor="ctr"/>
+          <a:lstStyle/>
+          <a:p>
+            <a:pPr algn="ctr"/>
+            <a:endParaRPr lang="es-ES"/>
+          </a:p>
+        </p:txBody>
+      </p:sp>
+    </p:spTree>
+    <p:extLst>
+      <p:ext uri="{BB962C8B-B14F-4D97-AF65-F5344CB8AC3E}">
+        <p14:creationId xmlns:p14="http://schemas.microsoft.com/office/powerpoint/2010/main" val="1341901065"/>
+      </p:ext>
+    </p:extLst>
+  </p:cSld>
+  <p:clrMapOvr>
+    <a:masterClrMapping/>
+  </p:clrMapOvr>
+</p:sld>
+</file>
+
+<file path=ppt/slides/slide20.xml><?xml version="1.0" encoding="utf-8"?>
 <p:sld xmlns:a="http://schemas.openxmlformats.org/drawingml/2006/main" xmlns:r="http://schemas.openxmlformats.org/officeDocument/2006/relationships" xmlns:p="http://schemas.openxmlformats.org/presentationml/2006/main">
   <p:cSld>
     <p:spTree>
@@ -19608,7 +18937,7 @@
 </p:sld>
 </file>
 
-<file path=ppt/slides/slide22.xml><?xml version="1.0" encoding="utf-8"?>
+<file path=ppt/slides/slide21.xml><?xml version="1.0" encoding="utf-8"?>
 <p:sld xmlns:a="http://schemas.openxmlformats.org/drawingml/2006/main" xmlns:r="http://schemas.openxmlformats.org/officeDocument/2006/relationships" xmlns:p="http://schemas.openxmlformats.org/presentationml/2006/main">
   <p:cSld>
     <p:spTree>
@@ -20188,7 +19517,7 @@
 </p:sld>
 </file>
 
-<file path=ppt/slides/slide23.xml><?xml version="1.0" encoding="utf-8"?>
+<file path=ppt/slides/slide22.xml><?xml version="1.0" encoding="utf-8"?>
 <p:sld xmlns:a="http://schemas.openxmlformats.org/drawingml/2006/main" xmlns:r="http://schemas.openxmlformats.org/officeDocument/2006/relationships" xmlns:p="http://schemas.openxmlformats.org/presentationml/2006/main">
   <p:cSld>
     <p:spTree>
@@ -21123,7 +20452,7 @@
 </p:sld>
 </file>
 
-<file path=ppt/slides/slide24.xml><?xml version="1.0" encoding="utf-8"?>
+<file path=ppt/slides/slide23.xml><?xml version="1.0" encoding="utf-8"?>
 <p:sld xmlns:a="http://schemas.openxmlformats.org/drawingml/2006/main" xmlns:r="http://schemas.openxmlformats.org/officeDocument/2006/relationships" xmlns:p="http://schemas.openxmlformats.org/presentationml/2006/main">
   <p:cSld>
     <p:spTree>
@@ -22550,7 +21879,7 @@
           <a:p>
             <a:r>
               <a:rPr lang="es-ES" dirty="0"/>
-              <a:t>Implementar revisión de condiciones</a:t>
+              <a:t>Establecer límite de crédito controlados</a:t>
             </a:r>
           </a:p>
           <a:p>
@@ -22656,7 +21985,7 @@
 </p:sld>
 </file>
 
-<file path=ppt/slides/slide25.xml><?xml version="1.0" encoding="utf-8"?>
+<file path=ppt/slides/slide24.xml><?xml version="1.0" encoding="utf-8"?>
 <p:sld xmlns:a="http://schemas.openxmlformats.org/drawingml/2006/main" xmlns:r="http://schemas.openxmlformats.org/officeDocument/2006/relationships" xmlns:p="http://schemas.openxmlformats.org/presentationml/2006/main">
   <p:cSld>
     <p:bg>
@@ -23699,8 +23028,8 @@
           </a:p>
         </p:txBody>
       </p:sp>
-      <mc:AlternateContent xmlns:mc="http://schemas.openxmlformats.org/markup-compatibility/2006">
-        <mc:Choice xmlns:a14="http://schemas.microsoft.com/office/drawing/2010/main" Requires="a14">
+      <mc:AlternateContent xmlns:mc="http://schemas.openxmlformats.org/markup-compatibility/2006" xmlns:a14="http://schemas.microsoft.com/office/drawing/2010/main">
+        <mc:Choice Requires="a14">
           <p:sp>
             <p:nvSpPr>
               <p:cNvPr id="4" name="CuadroTexto 3">
@@ -23874,7 +23203,7 @@
             </p:txBody>
           </p:sp>
         </mc:Choice>
-        <mc:Fallback>
+        <mc:Fallback xmlns="">
           <p:sp>
             <p:nvSpPr>
               <p:cNvPr id="4" name="CuadroTexto 3">
@@ -25063,8 +24392,8 @@
         </p:nvSpPr>
         <p:spPr>
           <a:xfrm>
-            <a:off x="505959" y="4332379"/>
-            <a:ext cx="2345526" cy="1940957"/>
+            <a:off x="406400" y="4332379"/>
+            <a:ext cx="2445085" cy="1940957"/>
           </a:xfrm>
           <a:prstGeom prst="roundRect">
             <a:avLst/>
@@ -26078,7 +25407,7 @@
           <a:p>
             <a:r>
               <a:rPr lang="es-ES" sz="1200" dirty="0"/>
-              <a:t>podría ser interesante </a:t>
+              <a:t>Podría ser interesante </a:t>
             </a:r>
             <a:r>
               <a:rPr lang="es-ES" sz="1200" b="1" dirty="0"/>
@@ -26533,8 +25862,8 @@
         </p:nvSpPr>
         <p:spPr>
           <a:xfrm>
-            <a:off x="768991" y="4118463"/>
-            <a:ext cx="2713559" cy="1940957"/>
+            <a:off x="751537" y="4118463"/>
+            <a:ext cx="2731014" cy="2145268"/>
           </a:xfrm>
           <a:prstGeom prst="roundRect">
             <a:avLst/>
@@ -27411,6 +26740,15 @@
 </file>
 
 <file path=customXml/item1.xml><?xml version="1.0" encoding="utf-8"?>
+<?mso-contentType ?>
+<FormTemplates xmlns="http://schemas.microsoft.com/sharepoint/v3/contenttype/forms">
+  <Display>DocumentLibraryForm</Display>
+  <Edit>DocumentLibraryForm</Edit>
+  <New>DocumentLibraryForm</New>
+</FormTemplates>
+</file>
+
+<file path=customXml/item2.xml><?xml version="1.0" encoding="utf-8"?>
 <ct:contentTypeSchema xmlns:ct="http://schemas.microsoft.com/office/2006/metadata/contentType" xmlns:ma="http://schemas.microsoft.com/office/2006/metadata/properties/metaAttributes" ct:_="" ma:_="" ma:contentTypeName="Document" ma:contentTypeID="0x01010079F111ED35F8CC479449609E8A0923A6" ma:contentTypeVersion="12" ma:contentTypeDescription="Create a new document." ma:contentTypeScope="" ma:versionID="426e97fa315356fffbdcd9876fe988c2">
   <xsd:schema xmlns:xsd="http://www.w3.org/2001/XMLSchema" xmlns:xs="http://www.w3.org/2001/XMLSchema" xmlns:p="http://schemas.microsoft.com/office/2006/metadata/properties" xmlns:ns2="71af3243-3dd4-4a8d-8c0d-dd76da1f02a5" xmlns:ns3="16c05727-aa75-4e4a-9b5f-8a80a1165891" targetNamespace="http://schemas.microsoft.com/office/2006/metadata/properties" ma:root="true" ma:fieldsID="14b8f0def80e6d70ce3def20c90759ae" ns2:_="" ns3:_="">
     <xsd:import namespace="71af3243-3dd4-4a8d-8c0d-dd76da1f02a5"/>
@@ -27631,15 +26969,6 @@
 </ct:contentTypeSchema>
 </file>
 
-<file path=customXml/item2.xml><?xml version="1.0" encoding="utf-8"?>
-<?mso-contentType ?>
-<FormTemplates xmlns="http://schemas.microsoft.com/sharepoint/v3/contenttype/forms">
-  <Display>DocumentLibraryForm</Display>
-  <Edit>DocumentLibraryForm</Edit>
-  <New>DocumentLibraryForm</New>
-</FormTemplates>
-</file>
-
 <file path=customXml/item3.xml><?xml version="1.0" encoding="utf-8"?>
 <p:properties xmlns:p="http://schemas.microsoft.com/office/2006/metadata/properties" xmlns:xsi="http://www.w3.org/2001/XMLSchema-instance" xmlns:pc="http://schemas.microsoft.com/office/infopath/2007/PartnerControls">
   <documentManagement>
@@ -27650,6 +26979,14 @@
 </file>
 
 <file path=customXml/itemProps1.xml><?xml version="1.0" encoding="utf-8"?>
+<ds:datastoreItem xmlns:ds="http://schemas.openxmlformats.org/officeDocument/2006/customXml" ds:itemID="{05D99ABA-76CE-4A8E-B5F0-C051B96628DE}">
+  <ds:schemaRefs>
+    <ds:schemaRef ds:uri="http://schemas.microsoft.com/sharepoint/v3/contenttype/forms"/>
+  </ds:schemaRefs>
+</ds:datastoreItem>
+</file>
+
+<file path=customXml/itemProps2.xml><?xml version="1.0" encoding="utf-8"?>
 <ds:datastoreItem xmlns:ds="http://schemas.openxmlformats.org/officeDocument/2006/customXml" ds:itemID="{B19EB750-A6DA-4BE8-B87B-FC499FE73360}">
   <ds:schemaRefs>
     <ds:schemaRef ds:uri="http://schemas.microsoft.com/office/2006/metadata/contentType"/>
@@ -27668,14 +27005,6 @@
 </ds:datastoreItem>
 </file>
 
-<file path=customXml/itemProps2.xml><?xml version="1.0" encoding="utf-8"?>
-<ds:datastoreItem xmlns:ds="http://schemas.openxmlformats.org/officeDocument/2006/customXml" ds:itemID="{05D99ABA-76CE-4A8E-B5F0-C051B96628DE}">
-  <ds:schemaRefs>
-    <ds:schemaRef ds:uri="http://schemas.microsoft.com/sharepoint/v3/contenttype/forms"/>
-  </ds:schemaRefs>
-</ds:datastoreItem>
-</file>
-
 <file path=customXml/itemProps3.xml><?xml version="1.0" encoding="utf-8"?>
 <ds:datastoreItem xmlns:ds="http://schemas.openxmlformats.org/officeDocument/2006/customXml" ds:itemID="{4DEA9014-ED64-4558-B1E1-D03F0EE32BEB}">
   <ds:schemaRefs>

--- a/Equip_B/results/D1_presentacion_Cliente.pptx
+++ b/Equip_B/results/D1_presentacion_Cliente.pptx
@@ -12193,7 +12193,7 @@
         </p:blipFill>
         <p:spPr>
           <a:xfrm>
-            <a:off x="642280" y="1821449"/>
+            <a:off x="642280" y="1831609"/>
             <a:ext cx="5341307" cy="4074377"/>
           </a:xfrm>
           <a:prstGeom prst="rect">
@@ -26740,15 +26740,6 @@
 </file>
 
 <file path=customXml/item1.xml><?xml version="1.0" encoding="utf-8"?>
-<?mso-contentType ?>
-<FormTemplates xmlns="http://schemas.microsoft.com/sharepoint/v3/contenttype/forms">
-  <Display>DocumentLibraryForm</Display>
-  <Edit>DocumentLibraryForm</Edit>
-  <New>DocumentLibraryForm</New>
-</FormTemplates>
-</file>
-
-<file path=customXml/item2.xml><?xml version="1.0" encoding="utf-8"?>
 <ct:contentTypeSchema xmlns:ct="http://schemas.microsoft.com/office/2006/metadata/contentType" xmlns:ma="http://schemas.microsoft.com/office/2006/metadata/properties/metaAttributes" ct:_="" ma:_="" ma:contentTypeName="Document" ma:contentTypeID="0x01010079F111ED35F8CC479449609E8A0923A6" ma:contentTypeVersion="12" ma:contentTypeDescription="Create a new document." ma:contentTypeScope="" ma:versionID="426e97fa315356fffbdcd9876fe988c2">
   <xsd:schema xmlns:xsd="http://www.w3.org/2001/XMLSchema" xmlns:xs="http://www.w3.org/2001/XMLSchema" xmlns:p="http://schemas.microsoft.com/office/2006/metadata/properties" xmlns:ns2="71af3243-3dd4-4a8d-8c0d-dd76da1f02a5" xmlns:ns3="16c05727-aa75-4e4a-9b5f-8a80a1165891" targetNamespace="http://schemas.microsoft.com/office/2006/metadata/properties" ma:root="true" ma:fieldsID="14b8f0def80e6d70ce3def20c90759ae" ns2:_="" ns3:_="">
     <xsd:import namespace="71af3243-3dd4-4a8d-8c0d-dd76da1f02a5"/>
@@ -26969,6 +26960,15 @@
 </ct:contentTypeSchema>
 </file>
 
+<file path=customXml/item2.xml><?xml version="1.0" encoding="utf-8"?>
+<?mso-contentType ?>
+<FormTemplates xmlns="http://schemas.microsoft.com/sharepoint/v3/contenttype/forms">
+  <Display>DocumentLibraryForm</Display>
+  <Edit>DocumentLibraryForm</Edit>
+  <New>DocumentLibraryForm</New>
+</FormTemplates>
+</file>
+
 <file path=customXml/item3.xml><?xml version="1.0" encoding="utf-8"?>
 <p:properties xmlns:p="http://schemas.microsoft.com/office/2006/metadata/properties" xmlns:xsi="http://www.w3.org/2001/XMLSchema-instance" xmlns:pc="http://schemas.microsoft.com/office/infopath/2007/PartnerControls">
   <documentManagement>
@@ -26979,14 +26979,6 @@
 </file>
 
 <file path=customXml/itemProps1.xml><?xml version="1.0" encoding="utf-8"?>
-<ds:datastoreItem xmlns:ds="http://schemas.openxmlformats.org/officeDocument/2006/customXml" ds:itemID="{05D99ABA-76CE-4A8E-B5F0-C051B96628DE}">
-  <ds:schemaRefs>
-    <ds:schemaRef ds:uri="http://schemas.microsoft.com/sharepoint/v3/contenttype/forms"/>
-  </ds:schemaRefs>
-</ds:datastoreItem>
-</file>
-
-<file path=customXml/itemProps2.xml><?xml version="1.0" encoding="utf-8"?>
 <ds:datastoreItem xmlns:ds="http://schemas.openxmlformats.org/officeDocument/2006/customXml" ds:itemID="{B19EB750-A6DA-4BE8-B87B-FC499FE73360}">
   <ds:schemaRefs>
     <ds:schemaRef ds:uri="http://schemas.microsoft.com/office/2006/metadata/contentType"/>
@@ -27005,6 +26997,14 @@
 </ds:datastoreItem>
 </file>
 
+<file path=customXml/itemProps2.xml><?xml version="1.0" encoding="utf-8"?>
+<ds:datastoreItem xmlns:ds="http://schemas.openxmlformats.org/officeDocument/2006/customXml" ds:itemID="{05D99ABA-76CE-4A8E-B5F0-C051B96628DE}">
+  <ds:schemaRefs>
+    <ds:schemaRef ds:uri="http://schemas.microsoft.com/sharepoint/v3/contenttype/forms"/>
+  </ds:schemaRefs>
+</ds:datastoreItem>
+</file>
+
 <file path=customXml/itemProps3.xml><?xml version="1.0" encoding="utf-8"?>
 <ds:datastoreItem xmlns:ds="http://schemas.openxmlformats.org/officeDocument/2006/customXml" ds:itemID="{4DEA9014-ED64-4558-B1E1-D03F0EE32BEB}">
   <ds:schemaRefs>
